--- a/2018JKQ毕业论文/file/framework.pptx
+++ b/2018JKQ毕业论文/file/framework.pptx
@@ -206,7 +206,7 @@
           <a:p>
             <a:fld id="{8033D554-7F16-E447-8602-DF5004DA8915}" type="datetimeFigureOut">
               <a:rPr kumimoji="1" lang="zh-CN" altLang="en-US" smtClean="0"/>
-              <a:t>2018/2/21</a:t>
+              <a:t>2018/3/11</a:t>
             </a:fld>
             <a:endParaRPr kumimoji="1" lang="zh-CN" altLang="en-US"/>
           </a:p>
@@ -605,7 +605,7 @@
           <a:p>
             <a:fld id="{489950EA-792D-4620-8334-9CE0948FDFD2}" type="datetimeFigureOut">
               <a:rPr lang="zh-CN" altLang="en-US" smtClean="0"/>
-              <a:t>2018/2/21</a:t>
+              <a:t>2018/3/11</a:t>
             </a:fld>
             <a:endParaRPr lang="zh-CN" altLang="en-US"/>
           </a:p>
@@ -770,7 +770,7 @@
           <a:p>
             <a:fld id="{489950EA-792D-4620-8334-9CE0948FDFD2}" type="datetimeFigureOut">
               <a:rPr lang="zh-CN" altLang="en-US" smtClean="0"/>
-              <a:t>2018/2/21</a:t>
+              <a:t>2018/3/11</a:t>
             </a:fld>
             <a:endParaRPr lang="zh-CN" altLang="en-US"/>
           </a:p>
@@ -945,7 +945,7 @@
           <a:p>
             <a:fld id="{489950EA-792D-4620-8334-9CE0948FDFD2}" type="datetimeFigureOut">
               <a:rPr lang="zh-CN" altLang="en-US" smtClean="0"/>
-              <a:t>2018/2/21</a:t>
+              <a:t>2018/3/11</a:t>
             </a:fld>
             <a:endParaRPr lang="zh-CN" altLang="en-US"/>
           </a:p>
@@ -1110,7 +1110,7 @@
           <a:p>
             <a:fld id="{489950EA-792D-4620-8334-9CE0948FDFD2}" type="datetimeFigureOut">
               <a:rPr lang="zh-CN" altLang="en-US" smtClean="0"/>
-              <a:t>2018/2/21</a:t>
+              <a:t>2018/3/11</a:t>
             </a:fld>
             <a:endParaRPr lang="zh-CN" altLang="en-US"/>
           </a:p>
@@ -1349,7 +1349,7 @@
           <a:p>
             <a:fld id="{489950EA-792D-4620-8334-9CE0948FDFD2}" type="datetimeFigureOut">
               <a:rPr lang="zh-CN" altLang="en-US" smtClean="0"/>
-              <a:t>2018/2/21</a:t>
+              <a:t>2018/3/11</a:t>
             </a:fld>
             <a:endParaRPr lang="zh-CN" altLang="en-US"/>
           </a:p>
@@ -1576,7 +1576,7 @@
           <a:p>
             <a:fld id="{489950EA-792D-4620-8334-9CE0948FDFD2}" type="datetimeFigureOut">
               <a:rPr lang="zh-CN" altLang="en-US" smtClean="0"/>
-              <a:t>2018/2/21</a:t>
+              <a:t>2018/3/11</a:t>
             </a:fld>
             <a:endParaRPr lang="zh-CN" altLang="en-US"/>
           </a:p>
@@ -1938,7 +1938,7 @@
           <a:p>
             <a:fld id="{489950EA-792D-4620-8334-9CE0948FDFD2}" type="datetimeFigureOut">
               <a:rPr lang="zh-CN" altLang="en-US" smtClean="0"/>
-              <a:t>2018/2/21</a:t>
+              <a:t>2018/3/11</a:t>
             </a:fld>
             <a:endParaRPr lang="zh-CN" altLang="en-US"/>
           </a:p>
@@ -2051,7 +2051,7 @@
           <a:p>
             <a:fld id="{489950EA-792D-4620-8334-9CE0948FDFD2}" type="datetimeFigureOut">
               <a:rPr lang="zh-CN" altLang="en-US" smtClean="0"/>
-              <a:t>2018/2/21</a:t>
+              <a:t>2018/3/11</a:t>
             </a:fld>
             <a:endParaRPr lang="zh-CN" altLang="en-US"/>
           </a:p>
@@ -2141,7 +2141,7 @@
           <a:p>
             <a:fld id="{489950EA-792D-4620-8334-9CE0948FDFD2}" type="datetimeFigureOut">
               <a:rPr lang="zh-CN" altLang="en-US" smtClean="0"/>
-              <a:t>2018/2/21</a:t>
+              <a:t>2018/3/11</a:t>
             </a:fld>
             <a:endParaRPr lang="zh-CN" altLang="en-US"/>
           </a:p>
@@ -2413,7 +2413,7 @@
           <a:p>
             <a:fld id="{489950EA-792D-4620-8334-9CE0948FDFD2}" type="datetimeFigureOut">
               <a:rPr lang="zh-CN" altLang="en-US" smtClean="0"/>
-              <a:t>2018/2/21</a:t>
+              <a:t>2018/3/11</a:t>
             </a:fld>
             <a:endParaRPr lang="zh-CN" altLang="en-US"/>
           </a:p>
@@ -2665,7 +2665,7 @@
           <a:p>
             <a:fld id="{489950EA-792D-4620-8334-9CE0948FDFD2}" type="datetimeFigureOut">
               <a:rPr lang="zh-CN" altLang="en-US" smtClean="0"/>
-              <a:t>2018/2/21</a:t>
+              <a:t>2018/3/11</a:t>
             </a:fld>
             <a:endParaRPr lang="zh-CN" altLang="en-US"/>
           </a:p>
@@ -2873,7 +2873,7 @@
           <a:p>
             <a:fld id="{489950EA-792D-4620-8334-9CE0948FDFD2}" type="datetimeFigureOut">
               <a:rPr lang="zh-CN" altLang="en-US" smtClean="0"/>
-              <a:t>2018/2/21</a:t>
+              <a:t>2018/3/11</a:t>
             </a:fld>
             <a:endParaRPr lang="zh-CN" altLang="en-US"/>
           </a:p>
@@ -7937,18 +7937,7 @@
                 <a:ea typeface="Times New Roman" charset="0"/>
                 <a:cs typeface="Times New Roman" panose="02020603050405020304" pitchFamily="18" charset="0"/>
               </a:rPr>
-              <a:t>S</a:t>
-            </a:r>
-            <a:r>
-              <a:rPr kumimoji="1" lang="en-US" altLang="zh-CN" b="1" dirty="0" err="1" smtClean="0">
-                <a:solidFill>
-                  <a:schemeClr val="tx1"/>
-                </a:solidFill>
-                <a:latin typeface="Times New Roman" panose="02020603050405020304" pitchFamily="18" charset="0"/>
-                <a:ea typeface="Times New Roman" charset="0"/>
-                <a:cs typeface="Times New Roman" panose="02020603050405020304" pitchFamily="18" charset="0"/>
-              </a:rPr>
-              <a:t>ysML</a:t>
+              <a:t>SysML</a:t>
             </a:r>
             <a:r>
               <a:rPr kumimoji="1" lang="zh-CN" altLang="en-US" b="1" dirty="0" smtClean="0">
@@ -8891,7 +8880,7 @@
               <a:t> </a:t>
             </a:r>
             <a:r>
-              <a:rPr kumimoji="1" lang="en-US" altLang="zh-CN" b="1" dirty="0">
+              <a:rPr kumimoji="1" lang="en-US" altLang="zh-CN" b="1" dirty="0" smtClean="0">
                 <a:solidFill>
                   <a:schemeClr val="tx1"/>
                 </a:solidFill>
@@ -8899,7 +8888,7 @@
                 <a:ea typeface="Times New Roman" charset="0"/>
                 <a:cs typeface="Times New Roman" panose="02020603050405020304" pitchFamily="18" charset="0"/>
               </a:rPr>
-              <a:t>connector</a:t>
+              <a:t>IBD</a:t>
             </a:r>
             <a:endParaRPr kumimoji="1" lang="zh-CN" altLang="en-US" b="1" dirty="0">
               <a:solidFill>
@@ -11053,7 +11042,7 @@
           <p:cNvPr id="57" name="下箭头 12">
             <a:extLst>
               <a:ext uri="{FF2B5EF4-FFF2-40B4-BE49-F238E27FC236}">
-                <a16:creationId xmlns:a16="http://schemas.microsoft.com/office/drawing/2014/main" xmlns="" id="{B8FBB82C-F281-4B07-9F58-1C63DD75AC40}"/>
+                <a16:creationId xmlns="" xmlns:a16="http://schemas.microsoft.com/office/drawing/2014/main" id="{B8FBB82C-F281-4B07-9F58-1C63DD75AC40}"/>
               </a:ext>
             </a:extLst>
           </p:cNvPr>
@@ -11105,7 +11094,7 @@
           <p:cNvPr id="58" name="矩形 57">
             <a:extLst>
               <a:ext uri="{FF2B5EF4-FFF2-40B4-BE49-F238E27FC236}">
-                <a16:creationId xmlns:a16="http://schemas.microsoft.com/office/drawing/2014/main" xmlns="" id="{CC295189-C515-4E2F-874B-0D0D3E902C72}"/>
+                <a16:creationId xmlns="" xmlns:a16="http://schemas.microsoft.com/office/drawing/2014/main" id="{CC295189-C515-4E2F-874B-0D0D3E902C72}"/>
               </a:ext>
             </a:extLst>
           </p:cNvPr>
@@ -11154,7 +11143,7 @@
           <p:cNvPr id="59" name="矩形 58">
             <a:extLst>
               <a:ext uri="{FF2B5EF4-FFF2-40B4-BE49-F238E27FC236}">
-                <a16:creationId xmlns:a16="http://schemas.microsoft.com/office/drawing/2014/main" xmlns="" id="{441EFDFF-BCF4-415F-9F16-A6F7017F7DF3}"/>
+                <a16:creationId xmlns="" xmlns:a16="http://schemas.microsoft.com/office/drawing/2014/main" id="{441EFDFF-BCF4-415F-9F16-A6F7017F7DF3}"/>
               </a:ext>
             </a:extLst>
           </p:cNvPr>
@@ -11203,7 +11192,7 @@
           <p:cNvPr id="60" name="矩形 59">
             <a:extLst>
               <a:ext uri="{FF2B5EF4-FFF2-40B4-BE49-F238E27FC236}">
-                <a16:creationId xmlns:a16="http://schemas.microsoft.com/office/drawing/2014/main" xmlns="" id="{7D478DE5-A4BD-43D1-AE1D-00F65C5F09A8}"/>
+                <a16:creationId xmlns="" xmlns:a16="http://schemas.microsoft.com/office/drawing/2014/main" id="{7D478DE5-A4BD-43D1-AE1D-00F65C5F09A8}"/>
               </a:ext>
             </a:extLst>
           </p:cNvPr>
@@ -11252,7 +11241,7 @@
           <p:cNvPr id="61" name="文本框 60">
             <a:extLst>
               <a:ext uri="{FF2B5EF4-FFF2-40B4-BE49-F238E27FC236}">
-                <a16:creationId xmlns:a16="http://schemas.microsoft.com/office/drawing/2014/main" xmlns="" id="{BD9A3CEF-1092-4ABD-9187-6AC71AB077FF}"/>
+                <a16:creationId xmlns="" xmlns:a16="http://schemas.microsoft.com/office/drawing/2014/main" id="{BD9A3CEF-1092-4ABD-9187-6AC71AB077FF}"/>
               </a:ext>
             </a:extLst>
           </p:cNvPr>
@@ -14670,7 +14659,7 @@
           <p:cNvPr id="20" name="箭头: 右 19">
             <a:extLst>
               <a:ext uri="{FF2B5EF4-FFF2-40B4-BE49-F238E27FC236}">
-                <a16:creationId xmlns:a16="http://schemas.microsoft.com/office/drawing/2014/main" xmlns="" id="{9B1A280B-D5A1-4D60-B849-F696BAECE230}"/>
+                <a16:creationId xmlns="" xmlns:a16="http://schemas.microsoft.com/office/drawing/2014/main" id="{9B1A280B-D5A1-4D60-B849-F696BAECE230}"/>
               </a:ext>
             </a:extLst>
           </p:cNvPr>
@@ -14728,7 +14717,7 @@
           <p:cNvPr id="33" name="箭头: 右 32">
             <a:extLst>
               <a:ext uri="{FF2B5EF4-FFF2-40B4-BE49-F238E27FC236}">
-                <a16:creationId xmlns:a16="http://schemas.microsoft.com/office/drawing/2014/main" xmlns="" id="{BA6EF1FD-7823-481A-8F15-7AEFB932AAB9}"/>
+                <a16:creationId xmlns="" xmlns:a16="http://schemas.microsoft.com/office/drawing/2014/main" id="{BA6EF1FD-7823-481A-8F15-7AEFB932AAB9}"/>
               </a:ext>
             </a:extLst>
           </p:cNvPr>
@@ -14786,7 +14775,7 @@
           <p:cNvPr id="3" name="文本框 2">
             <a:extLst>
               <a:ext uri="{FF2B5EF4-FFF2-40B4-BE49-F238E27FC236}">
-                <a16:creationId xmlns:a16="http://schemas.microsoft.com/office/drawing/2014/main" xmlns="" id="{CACE4282-7773-4A40-B271-474425975BA6}"/>
+                <a16:creationId xmlns="" xmlns:a16="http://schemas.microsoft.com/office/drawing/2014/main" id="{CACE4282-7773-4A40-B271-474425975BA6}"/>
               </a:ext>
             </a:extLst>
           </p:cNvPr>
@@ -14822,7 +14811,7 @@
           <p:cNvPr id="34" name="文本框 33">
             <a:extLst>
               <a:ext uri="{FF2B5EF4-FFF2-40B4-BE49-F238E27FC236}">
-                <a16:creationId xmlns:a16="http://schemas.microsoft.com/office/drawing/2014/main" xmlns="" id="{1AEB0A3E-123E-4FE1-9B89-DA049FA3C31E}"/>
+                <a16:creationId xmlns="" xmlns:a16="http://schemas.microsoft.com/office/drawing/2014/main" id="{1AEB0A3E-123E-4FE1-9B89-DA049FA3C31E}"/>
               </a:ext>
             </a:extLst>
           </p:cNvPr>
@@ -15338,7 +15327,7 @@
           <a:graphicData uri="http://schemas.openxmlformats.org/presentationml/2006/ole">
             <mc:AlternateContent xmlns:mc="http://schemas.openxmlformats.org/markup-compatibility/2006">
               <mc:Choice xmlns:v="urn:schemas-microsoft-com:vml" Requires="v">
-                <p:oleObj spid="_x0000_s1267" name="Equation" r:id="rId3" imgW="304560" imgH="241200" progId="Equation.DSMT4">
+                <p:oleObj spid="_x0000_s1308" name="Equation" r:id="rId3" imgW="304560" imgH="241200" progId="Equation.DSMT4">
                   <p:embed/>
                 </p:oleObj>
               </mc:Choice>
@@ -15399,7 +15388,7 @@
           <a:graphicData uri="http://schemas.openxmlformats.org/presentationml/2006/ole">
             <mc:AlternateContent xmlns:mc="http://schemas.openxmlformats.org/markup-compatibility/2006">
               <mc:Choice xmlns:v="urn:schemas-microsoft-com:vml" Requires="v">
-                <p:oleObj spid="_x0000_s1268" name="Equation" r:id="rId5" imgW="330120" imgH="241200" progId="Equation.DSMT4">
+                <p:oleObj spid="_x0000_s1309" name="Equation" r:id="rId5" imgW="330120" imgH="241200" progId="Equation.DSMT4">
                   <p:embed/>
                 </p:oleObj>
               </mc:Choice>
@@ -15460,7 +15449,7 @@
           <a:graphicData uri="http://schemas.openxmlformats.org/presentationml/2006/ole">
             <mc:AlternateContent xmlns:mc="http://schemas.openxmlformats.org/markup-compatibility/2006">
               <mc:Choice xmlns:v="urn:schemas-microsoft-com:vml" Requires="v">
-                <p:oleObj spid="_x0000_s1269" name="Equation" r:id="rId7" imgW="317160" imgH="241200" progId="Equation.DSMT4">
+                <p:oleObj spid="_x0000_s1310" name="Equation" r:id="rId7" imgW="317160" imgH="241200" progId="Equation.DSMT4">
                   <p:embed/>
                 </p:oleObj>
               </mc:Choice>
@@ -16122,7 +16111,7 @@
           <a:graphicData uri="http://schemas.openxmlformats.org/presentationml/2006/ole">
             <mc:AlternateContent xmlns:mc="http://schemas.openxmlformats.org/markup-compatibility/2006">
               <mc:Choice xmlns:v="urn:schemas-microsoft-com:vml" Requires="v">
-                <p:oleObj spid="_x0000_s1270" name="Equation" r:id="rId10" imgW="330120" imgH="241200" progId="Equation.DSMT4">
+                <p:oleObj spid="_x0000_s1311" name="Equation" r:id="rId10" imgW="330120" imgH="241200" progId="Equation.DSMT4">
                   <p:embed/>
                 </p:oleObj>
               </mc:Choice>

--- a/2018JKQ毕业论文/file/framework.pptx
+++ b/2018JKQ毕业论文/file/framework.pptx
@@ -5,7 +5,7 @@
     <p:sldMasterId id="2147483648" r:id="rId1"/>
   </p:sldMasterIdLst>
   <p:notesMasterIdLst>
-    <p:notesMasterId r:id="rId8"/>
+    <p:notesMasterId r:id="rId10"/>
   </p:notesMasterIdLst>
   <p:sldIdLst>
     <p:sldId id="256" r:id="rId2"/>
@@ -13,7 +13,9 @@
     <p:sldId id="257" r:id="rId4"/>
     <p:sldId id="258" r:id="rId5"/>
     <p:sldId id="259" r:id="rId6"/>
-    <p:sldId id="260" r:id="rId7"/>
+    <p:sldId id="262" r:id="rId7"/>
+    <p:sldId id="260" r:id="rId8"/>
+    <p:sldId id="263" r:id="rId9"/>
   </p:sldIdLst>
   <p:sldSz cx="12192000" cy="8999538"/>
   <p:notesSz cx="6858000" cy="9144000"/>
@@ -14874,6 +14876,2247 @@
       </p:grpSpPr>
       <p:sp>
         <p:nvSpPr>
+          <p:cNvPr id="4" name="矩形 3"/>
+          <p:cNvSpPr/>
+          <p:nvPr/>
+        </p:nvSpPr>
+        <p:spPr>
+          <a:xfrm>
+            <a:off x="8633810" y="1732014"/>
+            <a:ext cx="2867311" cy="273543"/>
+          </a:xfrm>
+          <a:prstGeom prst="rect">
+            <a:avLst/>
+          </a:prstGeom>
+          <a:solidFill>
+            <a:schemeClr val="bg1">
+              <a:lumMod val="95000"/>
+            </a:schemeClr>
+          </a:solidFill>
+          <a:ln w="25400">
+            <a:solidFill>
+              <a:schemeClr val="accent1">
+                <a:lumMod val="75000"/>
+              </a:schemeClr>
+            </a:solidFill>
+          </a:ln>
+        </p:spPr>
+        <p:style>
+          <a:lnRef idx="2">
+            <a:schemeClr val="accent1">
+              <a:shade val="50000"/>
+            </a:schemeClr>
+          </a:lnRef>
+          <a:fillRef idx="1">
+            <a:schemeClr val="accent1"/>
+          </a:fillRef>
+          <a:effectRef idx="0">
+            <a:schemeClr val="accent1"/>
+          </a:effectRef>
+          <a:fontRef idx="minor">
+            <a:schemeClr val="lt1"/>
+          </a:fontRef>
+        </p:style>
+        <p:txBody>
+          <a:bodyPr rtlCol="0" anchor="ctr"/>
+          <a:lstStyle/>
+          <a:p>
+            <a:pPr algn="ctr"/>
+            <a:r>
+              <a:rPr lang="zh-CN" altLang="en-US" b="1" dirty="0" smtClean="0">
+                <a:solidFill>
+                  <a:schemeClr val="accent1">
+                    <a:lumMod val="50000"/>
+                  </a:schemeClr>
+                </a:solidFill>
+                <a:effectLst>
+                  <a:outerShdw blurRad="38100" dist="38100" dir="2700000" algn="tl">
+                    <a:srgbClr val="000000">
+                      <a:alpha val="43137"/>
+                    </a:srgbClr>
+                  </a:outerShdw>
+                </a:effectLst>
+                <a:latin typeface="Times New Roman" panose="02020603050405020304" pitchFamily="18" charset="0"/>
+                <a:cs typeface="Times New Roman" panose="02020603050405020304" pitchFamily="18" charset="0"/>
+              </a:rPr>
+              <a:t>统计模型检测器</a:t>
+            </a:r>
+            <a:endParaRPr lang="zh-CN" altLang="en-US" b="1" dirty="0">
+              <a:solidFill>
+                <a:schemeClr val="accent1">
+                  <a:lumMod val="50000"/>
+                </a:schemeClr>
+              </a:solidFill>
+              <a:effectLst>
+                <a:outerShdw blurRad="38100" dist="38100" dir="2700000" algn="tl">
+                  <a:srgbClr val="000000">
+                    <a:alpha val="43137"/>
+                  </a:srgbClr>
+                </a:outerShdw>
+              </a:effectLst>
+              <a:latin typeface="Times New Roman" panose="02020603050405020304" pitchFamily="18" charset="0"/>
+              <a:cs typeface="Times New Roman" panose="02020603050405020304" pitchFamily="18" charset="0"/>
+            </a:endParaRPr>
+          </a:p>
+        </p:txBody>
+      </p:sp>
+      <p:sp>
+        <p:nvSpPr>
+          <p:cNvPr id="5" name="矩形 4"/>
+          <p:cNvSpPr/>
+          <p:nvPr/>
+        </p:nvSpPr>
+        <p:spPr>
+          <a:xfrm>
+            <a:off x="1878420" y="2281232"/>
+            <a:ext cx="2032000" cy="579120"/>
+          </a:xfrm>
+          <a:prstGeom prst="rect">
+            <a:avLst/>
+          </a:prstGeom>
+          <a:solidFill>
+            <a:schemeClr val="bg1">
+              <a:lumMod val="85000"/>
+            </a:schemeClr>
+          </a:solidFill>
+          <a:ln w="25400">
+            <a:solidFill>
+              <a:schemeClr val="tx1"/>
+            </a:solidFill>
+          </a:ln>
+        </p:spPr>
+        <p:style>
+          <a:lnRef idx="2">
+            <a:schemeClr val="accent1">
+              <a:shade val="50000"/>
+            </a:schemeClr>
+          </a:lnRef>
+          <a:fillRef idx="1">
+            <a:schemeClr val="accent1"/>
+          </a:fillRef>
+          <a:effectRef idx="0">
+            <a:schemeClr val="accent1"/>
+          </a:effectRef>
+          <a:fontRef idx="minor">
+            <a:schemeClr val="lt1"/>
+          </a:fontRef>
+        </p:style>
+        <p:txBody>
+          <a:bodyPr rtlCol="0" anchor="ctr"/>
+          <a:lstStyle/>
+          <a:p>
+            <a:pPr algn="ctr"/>
+            <a:r>
+              <a:rPr lang="zh-CN" altLang="en-US" b="1" dirty="0" smtClean="0">
+                <a:solidFill>
+                  <a:schemeClr val="tx1"/>
+                </a:solidFill>
+                <a:effectLst>
+                  <a:outerShdw blurRad="38100" dist="38100" dir="2700000" algn="tl">
+                    <a:srgbClr val="000000">
+                      <a:alpha val="43137"/>
+                    </a:srgbClr>
+                  </a:outerShdw>
+                </a:effectLst>
+                <a:latin typeface="Times New Roman" panose="02020603050405020304" pitchFamily="18" charset="0"/>
+                <a:cs typeface="Times New Roman" panose="02020603050405020304" pitchFamily="18" charset="0"/>
+              </a:rPr>
+              <a:t>仿真器</a:t>
+            </a:r>
+            <a:endParaRPr lang="zh-CN" altLang="en-US" b="1" dirty="0">
+              <a:solidFill>
+                <a:schemeClr val="tx1"/>
+              </a:solidFill>
+              <a:effectLst>
+                <a:outerShdw blurRad="38100" dist="38100" dir="2700000" algn="tl">
+                  <a:srgbClr val="000000">
+                    <a:alpha val="43137"/>
+                  </a:srgbClr>
+                </a:outerShdw>
+              </a:effectLst>
+              <a:latin typeface="Times New Roman" panose="02020603050405020304" pitchFamily="18" charset="0"/>
+              <a:cs typeface="Times New Roman" panose="02020603050405020304" pitchFamily="18" charset="0"/>
+            </a:endParaRPr>
+          </a:p>
+        </p:txBody>
+      </p:sp>
+      <p:sp>
+        <p:nvSpPr>
+          <p:cNvPr id="6" name="矩形 5"/>
+          <p:cNvSpPr/>
+          <p:nvPr/>
+        </p:nvSpPr>
+        <p:spPr>
+          <a:xfrm>
+            <a:off x="8347896" y="2280953"/>
+            <a:ext cx="2032000" cy="579120"/>
+          </a:xfrm>
+          <a:prstGeom prst="rect">
+            <a:avLst/>
+          </a:prstGeom>
+          <a:solidFill>
+            <a:schemeClr val="bg1">
+              <a:lumMod val="85000"/>
+            </a:schemeClr>
+          </a:solidFill>
+          <a:ln w="25400">
+            <a:solidFill>
+              <a:schemeClr val="tx1"/>
+            </a:solidFill>
+          </a:ln>
+        </p:spPr>
+        <p:style>
+          <a:lnRef idx="2">
+            <a:schemeClr val="accent1">
+              <a:shade val="50000"/>
+            </a:schemeClr>
+          </a:lnRef>
+          <a:fillRef idx="1">
+            <a:schemeClr val="accent1"/>
+          </a:fillRef>
+          <a:effectRef idx="0">
+            <a:schemeClr val="accent1"/>
+          </a:effectRef>
+          <a:fontRef idx="minor">
+            <a:schemeClr val="lt1"/>
+          </a:fontRef>
+        </p:style>
+        <p:txBody>
+          <a:bodyPr rtlCol="0" anchor="ctr"/>
+          <a:lstStyle/>
+          <a:p>
+            <a:pPr algn="ctr"/>
+            <a:r>
+              <a:rPr lang="en-US" altLang="zh-CN" b="1" dirty="0">
+                <a:solidFill>
+                  <a:schemeClr val="tx1"/>
+                </a:solidFill>
+                <a:effectLst>
+                  <a:outerShdw blurRad="38100" dist="38100" dir="2700000" algn="tl">
+                    <a:srgbClr val="000000">
+                      <a:alpha val="43137"/>
+                    </a:srgbClr>
+                  </a:outerShdw>
+                </a:effectLst>
+                <a:latin typeface="Times New Roman" panose="02020603050405020304" pitchFamily="18" charset="0"/>
+                <a:cs typeface="Times New Roman" panose="02020603050405020304" pitchFamily="18" charset="0"/>
+              </a:rPr>
+              <a:t>SMC </a:t>
+            </a:r>
+            <a:r>
+              <a:rPr lang="zh-CN" altLang="en-US" b="1" dirty="0" smtClean="0">
+                <a:solidFill>
+                  <a:schemeClr val="tx1"/>
+                </a:solidFill>
+                <a:effectLst>
+                  <a:outerShdw blurRad="38100" dist="38100" dir="2700000" algn="tl">
+                    <a:srgbClr val="000000">
+                      <a:alpha val="43137"/>
+                    </a:srgbClr>
+                  </a:outerShdw>
+                </a:effectLst>
+                <a:latin typeface="Times New Roman" panose="02020603050405020304" pitchFamily="18" charset="0"/>
+                <a:cs typeface="Times New Roman" panose="02020603050405020304" pitchFamily="18" charset="0"/>
+              </a:rPr>
+              <a:t>算法</a:t>
+            </a:r>
+            <a:endParaRPr lang="zh-CN" altLang="en-US" b="1" dirty="0">
+              <a:solidFill>
+                <a:schemeClr val="tx1"/>
+              </a:solidFill>
+              <a:effectLst>
+                <a:outerShdw blurRad="38100" dist="38100" dir="2700000" algn="tl">
+                  <a:srgbClr val="000000">
+                    <a:alpha val="43137"/>
+                  </a:srgbClr>
+                </a:outerShdw>
+              </a:effectLst>
+              <a:latin typeface="Times New Roman" panose="02020603050405020304" pitchFamily="18" charset="0"/>
+              <a:cs typeface="Times New Roman" panose="02020603050405020304" pitchFamily="18" charset="0"/>
+            </a:endParaRPr>
+          </a:p>
+        </p:txBody>
+      </p:sp>
+      <p:sp>
+        <p:nvSpPr>
+          <p:cNvPr id="7" name="矩形 6"/>
+          <p:cNvSpPr/>
+          <p:nvPr/>
+        </p:nvSpPr>
+        <p:spPr>
+          <a:xfrm>
+            <a:off x="4902770" y="2277017"/>
+            <a:ext cx="2032000" cy="579120"/>
+          </a:xfrm>
+          <a:prstGeom prst="rect">
+            <a:avLst/>
+          </a:prstGeom>
+          <a:solidFill>
+            <a:schemeClr val="bg1">
+              <a:lumMod val="85000"/>
+            </a:schemeClr>
+          </a:solidFill>
+          <a:ln w="25400">
+            <a:solidFill>
+              <a:schemeClr val="tx1"/>
+            </a:solidFill>
+          </a:ln>
+        </p:spPr>
+        <p:style>
+          <a:lnRef idx="2">
+            <a:schemeClr val="accent1">
+              <a:shade val="50000"/>
+            </a:schemeClr>
+          </a:lnRef>
+          <a:fillRef idx="1">
+            <a:schemeClr val="accent1"/>
+          </a:fillRef>
+          <a:effectRef idx="0">
+            <a:schemeClr val="accent1"/>
+          </a:effectRef>
+          <a:fontRef idx="minor">
+            <a:schemeClr val="lt1"/>
+          </a:fontRef>
+        </p:style>
+        <p:txBody>
+          <a:bodyPr rtlCol="0" anchor="ctr"/>
+          <a:lstStyle/>
+          <a:p>
+            <a:pPr algn="ctr"/>
+            <a:r>
+              <a:rPr lang="zh-CN" altLang="en-US" b="1" dirty="0" smtClean="0">
+                <a:solidFill>
+                  <a:schemeClr val="tx1"/>
+                </a:solidFill>
+                <a:effectLst>
+                  <a:outerShdw blurRad="38100" dist="38100" dir="2700000" algn="tl">
+                    <a:srgbClr val="000000">
+                      <a:alpha val="43137"/>
+                    </a:srgbClr>
+                  </a:outerShdw>
+                </a:effectLst>
+                <a:latin typeface="Times New Roman" panose="02020603050405020304" pitchFamily="18" charset="0"/>
+                <a:cs typeface="Times New Roman" panose="02020603050405020304" pitchFamily="18" charset="0"/>
+              </a:rPr>
+              <a:t>模型检测器</a:t>
+            </a:r>
+            <a:endParaRPr lang="zh-CN" altLang="en-US" b="1" dirty="0">
+              <a:solidFill>
+                <a:schemeClr val="tx1"/>
+              </a:solidFill>
+              <a:effectLst>
+                <a:outerShdw blurRad="38100" dist="38100" dir="2700000" algn="tl">
+                  <a:srgbClr val="000000">
+                    <a:alpha val="43137"/>
+                  </a:srgbClr>
+                </a:outerShdw>
+              </a:effectLst>
+              <a:latin typeface="Times New Roman" panose="02020603050405020304" pitchFamily="18" charset="0"/>
+              <a:cs typeface="Times New Roman" panose="02020603050405020304" pitchFamily="18" charset="0"/>
+            </a:endParaRPr>
+          </a:p>
+        </p:txBody>
+      </p:sp>
+      <p:sp>
+        <p:nvSpPr>
+          <p:cNvPr id="8" name="矩形 7"/>
+          <p:cNvSpPr/>
+          <p:nvPr/>
+        </p:nvSpPr>
+        <p:spPr>
+          <a:xfrm>
+            <a:off x="1878420" y="2860352"/>
+            <a:ext cx="2032000" cy="355600"/>
+          </a:xfrm>
+          <a:prstGeom prst="rect">
+            <a:avLst/>
+          </a:prstGeom>
+          <a:noFill/>
+          <a:ln w="25400">
+            <a:solidFill>
+              <a:schemeClr val="tx1"/>
+            </a:solidFill>
+            <a:prstDash val="dashDot"/>
+          </a:ln>
+        </p:spPr>
+        <p:style>
+          <a:lnRef idx="2">
+            <a:schemeClr val="accent1">
+              <a:shade val="50000"/>
+            </a:schemeClr>
+          </a:lnRef>
+          <a:fillRef idx="1">
+            <a:schemeClr val="accent1"/>
+          </a:fillRef>
+          <a:effectRef idx="0">
+            <a:schemeClr val="accent1"/>
+          </a:effectRef>
+          <a:fontRef idx="minor">
+            <a:schemeClr val="lt1"/>
+          </a:fontRef>
+        </p:style>
+        <p:txBody>
+          <a:bodyPr rtlCol="0" anchor="ctr"/>
+          <a:lstStyle/>
+          <a:p>
+            <a:pPr algn="ctr"/>
+            <a:r>
+              <a:rPr lang="zh-CN" altLang="en-US" b="1" dirty="0" smtClean="0">
+                <a:solidFill>
+                  <a:schemeClr val="accent3">
+                    <a:lumMod val="50000"/>
+                  </a:schemeClr>
+                </a:solidFill>
+                <a:latin typeface="Times New Roman" panose="02020603050405020304" pitchFamily="18" charset="0"/>
+                <a:cs typeface="Times New Roman" panose="02020603050405020304" pitchFamily="18" charset="0"/>
+              </a:rPr>
+              <a:t>迹的生成</a:t>
+            </a:r>
+            <a:endParaRPr lang="zh-CN" altLang="en-US" b="1" dirty="0">
+              <a:solidFill>
+                <a:schemeClr val="accent3">
+                  <a:lumMod val="50000"/>
+                </a:schemeClr>
+              </a:solidFill>
+              <a:latin typeface="Times New Roman" panose="02020603050405020304" pitchFamily="18" charset="0"/>
+              <a:cs typeface="Times New Roman" panose="02020603050405020304" pitchFamily="18" charset="0"/>
+            </a:endParaRPr>
+          </a:p>
+        </p:txBody>
+      </p:sp>
+      <p:sp>
+        <p:nvSpPr>
+          <p:cNvPr id="9" name="文本框 8"/>
+          <p:cNvSpPr txBox="1"/>
+          <p:nvPr/>
+        </p:nvSpPr>
+        <p:spPr>
+          <a:xfrm>
+            <a:off x="2584540" y="3131675"/>
+            <a:ext cx="629920" cy="523220"/>
+          </a:xfrm>
+          <a:prstGeom prst="rect">
+            <a:avLst/>
+          </a:prstGeom>
+          <a:noFill/>
+        </p:spPr>
+        <p:txBody>
+          <a:bodyPr wrap="square" rtlCol="0">
+            <a:spAutoFit/>
+          </a:bodyPr>
+          <a:lstStyle/>
+          <a:p>
+            <a:r>
+              <a:rPr lang="en-US" altLang="zh-CN" sz="2800" b="1" dirty="0">
+                <a:effectLst>
+                  <a:outerShdw blurRad="38100" dist="38100" dir="2700000" algn="tl">
+                    <a:srgbClr val="000000">
+                      <a:alpha val="43137"/>
+                    </a:srgbClr>
+                  </a:outerShdw>
+                </a:effectLst>
+                <a:latin typeface="Times New Roman" panose="02020603050405020304" pitchFamily="18" charset="0"/>
+                <a:cs typeface="Times New Roman" panose="02020603050405020304" pitchFamily="18" charset="0"/>
+              </a:rPr>
+              <a:t>+</a:t>
+            </a:r>
+            <a:endParaRPr lang="zh-CN" altLang="en-US" sz="2800" b="1" dirty="0">
+              <a:effectLst>
+                <a:outerShdw blurRad="38100" dist="38100" dir="2700000" algn="tl">
+                  <a:srgbClr val="000000">
+                    <a:alpha val="43137"/>
+                  </a:srgbClr>
+                </a:outerShdw>
+              </a:effectLst>
+              <a:latin typeface="Times New Roman" panose="02020603050405020304" pitchFamily="18" charset="0"/>
+              <a:cs typeface="Times New Roman" panose="02020603050405020304" pitchFamily="18" charset="0"/>
+            </a:endParaRPr>
+          </a:p>
+        </p:txBody>
+      </p:sp>
+      <p:sp>
+        <p:nvSpPr>
+          <p:cNvPr id="10" name="矩形 9"/>
+          <p:cNvSpPr/>
+          <p:nvPr/>
+        </p:nvSpPr>
+        <p:spPr>
+          <a:xfrm>
+            <a:off x="956489" y="4809331"/>
+            <a:ext cx="3657600" cy="579120"/>
+          </a:xfrm>
+          <a:prstGeom prst="rect">
+            <a:avLst/>
+          </a:prstGeom>
+          <a:solidFill>
+            <a:schemeClr val="accent2">
+              <a:lumMod val="60000"/>
+              <a:lumOff val="40000"/>
+            </a:schemeClr>
+          </a:solidFill>
+          <a:ln w="25400">
+            <a:solidFill>
+              <a:schemeClr val="tx1"/>
+            </a:solidFill>
+          </a:ln>
+        </p:spPr>
+        <p:style>
+          <a:lnRef idx="2">
+            <a:schemeClr val="accent1">
+              <a:shade val="50000"/>
+            </a:schemeClr>
+          </a:lnRef>
+          <a:fillRef idx="1">
+            <a:schemeClr val="accent1"/>
+          </a:fillRef>
+          <a:effectRef idx="0">
+            <a:schemeClr val="accent1"/>
+          </a:effectRef>
+          <a:fontRef idx="minor">
+            <a:schemeClr val="lt1"/>
+          </a:fontRef>
+        </p:style>
+        <p:txBody>
+          <a:bodyPr rtlCol="0" anchor="ctr"/>
+          <a:lstStyle/>
+          <a:p>
+            <a:pPr algn="ctr"/>
+            <a:r>
+              <a:rPr lang="zh-CN" altLang="en-US" b="1" dirty="0" smtClean="0">
+                <a:solidFill>
+                  <a:schemeClr val="tx1"/>
+                </a:solidFill>
+                <a:effectLst>
+                  <a:outerShdw blurRad="38100" dist="38100" dir="2700000" algn="tl">
+                    <a:srgbClr val="000000">
+                      <a:alpha val="43137"/>
+                    </a:srgbClr>
+                  </a:outerShdw>
+                </a:effectLst>
+                <a:latin typeface="Times New Roman" panose="02020603050405020304" pitchFamily="18" charset="0"/>
+                <a:cs typeface="Times New Roman" panose="02020603050405020304" pitchFamily="18" charset="0"/>
+              </a:rPr>
+              <a:t>分布式</a:t>
+            </a:r>
+            <a:r>
+              <a:rPr lang="en-US" altLang="zh-CN" b="1" dirty="0" smtClean="0">
+                <a:solidFill>
+                  <a:schemeClr val="tx1"/>
+                </a:solidFill>
+                <a:effectLst>
+                  <a:outerShdw blurRad="38100" dist="38100" dir="2700000" algn="tl">
+                    <a:srgbClr val="000000">
+                      <a:alpha val="43137"/>
+                    </a:srgbClr>
+                  </a:outerShdw>
+                </a:effectLst>
+                <a:latin typeface="Times New Roman" panose="02020603050405020304" pitchFamily="18" charset="0"/>
+                <a:cs typeface="Times New Roman" panose="02020603050405020304" pitchFamily="18" charset="0"/>
+              </a:rPr>
+              <a:t> </a:t>
+            </a:r>
+            <a:r>
+              <a:rPr lang="en-US" altLang="zh-CN" b="1" dirty="0">
+                <a:solidFill>
+                  <a:schemeClr val="tx1"/>
+                </a:solidFill>
+                <a:effectLst>
+                  <a:outerShdw blurRad="38100" dist="38100" dir="2700000" algn="tl">
+                    <a:srgbClr val="000000">
+                      <a:alpha val="43137"/>
+                    </a:srgbClr>
+                  </a:outerShdw>
+                </a:effectLst>
+                <a:latin typeface="Times New Roman" panose="02020603050405020304" pitchFamily="18" charset="0"/>
+                <a:cs typeface="Times New Roman" panose="02020603050405020304" pitchFamily="18" charset="0"/>
+              </a:rPr>
+              <a:t>SMC </a:t>
+            </a:r>
+            <a:r>
+              <a:rPr lang="en-US" altLang="zh-CN" b="1" dirty="0" smtClean="0">
+                <a:solidFill>
+                  <a:schemeClr val="tx1"/>
+                </a:solidFill>
+                <a:effectLst>
+                  <a:outerShdw blurRad="38100" dist="38100" dir="2700000" algn="tl">
+                    <a:srgbClr val="000000">
+                      <a:alpha val="43137"/>
+                    </a:srgbClr>
+                  </a:outerShdw>
+                </a:effectLst>
+                <a:latin typeface="Times New Roman" panose="02020603050405020304" pitchFamily="18" charset="0"/>
+                <a:cs typeface="Times New Roman" panose="02020603050405020304" pitchFamily="18" charset="0"/>
+              </a:rPr>
+              <a:t>(</a:t>
+            </a:r>
+            <a:r>
+              <a:rPr lang="zh-CN" altLang="en-US" b="1" dirty="0" smtClean="0">
+                <a:solidFill>
+                  <a:schemeClr val="accent1">
+                    <a:lumMod val="75000"/>
+                  </a:schemeClr>
+                </a:solidFill>
+                <a:effectLst>
+                  <a:outerShdw blurRad="38100" dist="38100" dir="2700000" algn="tl">
+                    <a:srgbClr val="000000">
+                      <a:alpha val="43137"/>
+                    </a:srgbClr>
+                  </a:outerShdw>
+                </a:effectLst>
+                <a:latin typeface="Times New Roman" panose="02020603050405020304" pitchFamily="18" charset="0"/>
+                <a:cs typeface="Times New Roman" panose="02020603050405020304" pitchFamily="18" charset="0"/>
+              </a:rPr>
+              <a:t>分布式</a:t>
+            </a:r>
+            <a:r>
+              <a:rPr lang="en-US" altLang="zh-CN" b="1" dirty="0" smtClean="0">
+                <a:solidFill>
+                  <a:schemeClr val="accent1">
+                    <a:lumMod val="75000"/>
+                  </a:schemeClr>
+                </a:solidFill>
+                <a:effectLst>
+                  <a:outerShdw blurRad="38100" dist="38100" dir="2700000" algn="tl">
+                    <a:srgbClr val="000000">
+                      <a:alpha val="43137"/>
+                    </a:srgbClr>
+                  </a:outerShdw>
+                </a:effectLst>
+                <a:latin typeface="Times New Roman" panose="02020603050405020304" pitchFamily="18" charset="0"/>
+                <a:cs typeface="Times New Roman" panose="02020603050405020304" pitchFamily="18" charset="0"/>
+              </a:rPr>
+              <a:t> </a:t>
+            </a:r>
+            <a:r>
+              <a:rPr lang="en-US" altLang="zh-CN" b="1" dirty="0">
+                <a:solidFill>
+                  <a:schemeClr val="accent1">
+                    <a:lumMod val="75000"/>
+                  </a:schemeClr>
+                </a:solidFill>
+                <a:effectLst>
+                  <a:outerShdw blurRad="38100" dist="38100" dir="2700000" algn="tl">
+                    <a:srgbClr val="000000">
+                      <a:alpha val="43137"/>
+                    </a:srgbClr>
+                  </a:outerShdw>
+                </a:effectLst>
+                <a:latin typeface="Times New Roman" panose="02020603050405020304" pitchFamily="18" charset="0"/>
+                <a:cs typeface="Times New Roman" panose="02020603050405020304" pitchFamily="18" charset="0"/>
+              </a:rPr>
+              <a:t>BIE</a:t>
+            </a:r>
+            <a:r>
+              <a:rPr lang="en-US" altLang="zh-CN" b="1" dirty="0">
+                <a:solidFill>
+                  <a:schemeClr val="tx1"/>
+                </a:solidFill>
+                <a:effectLst>
+                  <a:outerShdw blurRad="38100" dist="38100" dir="2700000" algn="tl">
+                    <a:srgbClr val="000000">
+                      <a:alpha val="43137"/>
+                    </a:srgbClr>
+                  </a:outerShdw>
+                </a:effectLst>
+                <a:latin typeface="Times New Roman" panose="02020603050405020304" pitchFamily="18" charset="0"/>
+                <a:cs typeface="Times New Roman" panose="02020603050405020304" pitchFamily="18" charset="0"/>
+              </a:rPr>
+              <a:t>, </a:t>
+            </a:r>
+            <a:r>
+              <a:rPr lang="zh-CN" altLang="en-US" b="1" dirty="0" smtClean="0">
+                <a:solidFill>
+                  <a:schemeClr val="tx1"/>
+                </a:solidFill>
+                <a:effectLst>
+                  <a:outerShdw blurRad="38100" dist="38100" dir="2700000" algn="tl">
+                    <a:srgbClr val="000000">
+                      <a:alpha val="43137"/>
+                    </a:srgbClr>
+                  </a:outerShdw>
+                </a:effectLst>
+                <a:latin typeface="Times New Roman" panose="02020603050405020304" pitchFamily="18" charset="0"/>
+                <a:cs typeface="Times New Roman" panose="02020603050405020304" pitchFamily="18" charset="0"/>
+              </a:rPr>
+              <a:t>分布式</a:t>
+            </a:r>
+            <a:r>
+              <a:rPr lang="en-US" altLang="zh-CN" b="1" dirty="0" smtClean="0">
+                <a:solidFill>
+                  <a:schemeClr val="tx1"/>
+                </a:solidFill>
+                <a:effectLst>
+                  <a:outerShdw blurRad="38100" dist="38100" dir="2700000" algn="tl">
+                    <a:srgbClr val="000000">
+                      <a:alpha val="43137"/>
+                    </a:srgbClr>
+                  </a:outerShdw>
+                </a:effectLst>
+                <a:latin typeface="Times New Roman" panose="02020603050405020304" pitchFamily="18" charset="0"/>
+                <a:cs typeface="Times New Roman" panose="02020603050405020304" pitchFamily="18" charset="0"/>
+              </a:rPr>
+              <a:t> </a:t>
+            </a:r>
+            <a:r>
+              <a:rPr lang="en-US" altLang="zh-CN" b="1" dirty="0">
+                <a:solidFill>
+                  <a:schemeClr val="tx1"/>
+                </a:solidFill>
+                <a:effectLst>
+                  <a:outerShdw blurRad="38100" dist="38100" dir="2700000" algn="tl">
+                    <a:srgbClr val="000000">
+                      <a:alpha val="43137"/>
+                    </a:srgbClr>
+                  </a:outerShdw>
+                </a:effectLst>
+                <a:latin typeface="Times New Roman" panose="02020603050405020304" pitchFamily="18" charset="0"/>
+                <a:cs typeface="Times New Roman" panose="02020603050405020304" pitchFamily="18" charset="0"/>
+              </a:rPr>
+              <a:t>BHT, </a:t>
+            </a:r>
+            <a:r>
+              <a:rPr lang="zh-CN" altLang="en-US" b="1" dirty="0" smtClean="0">
+                <a:solidFill>
+                  <a:schemeClr val="tx1"/>
+                </a:solidFill>
+                <a:effectLst>
+                  <a:outerShdw blurRad="38100" dist="38100" dir="2700000" algn="tl">
+                    <a:srgbClr val="000000">
+                      <a:alpha val="43137"/>
+                    </a:srgbClr>
+                  </a:outerShdw>
+                </a:effectLst>
+                <a:latin typeface="Times New Roman" panose="02020603050405020304" pitchFamily="18" charset="0"/>
+                <a:cs typeface="Times New Roman" panose="02020603050405020304" pitchFamily="18" charset="0"/>
+              </a:rPr>
+              <a:t>等等</a:t>
+            </a:r>
+            <a:r>
+              <a:rPr lang="en-US" altLang="zh-CN" b="1" dirty="0" smtClean="0">
+                <a:solidFill>
+                  <a:schemeClr val="tx1"/>
+                </a:solidFill>
+                <a:effectLst>
+                  <a:outerShdw blurRad="38100" dist="38100" dir="2700000" algn="tl">
+                    <a:srgbClr val="000000">
+                      <a:alpha val="43137"/>
+                    </a:srgbClr>
+                  </a:outerShdw>
+                </a:effectLst>
+                <a:latin typeface="Times New Roman" panose="02020603050405020304" pitchFamily="18" charset="0"/>
+                <a:cs typeface="Times New Roman" panose="02020603050405020304" pitchFamily="18" charset="0"/>
+              </a:rPr>
+              <a:t>)</a:t>
+            </a:r>
+            <a:endParaRPr lang="zh-CN" altLang="en-US" b="1" dirty="0">
+              <a:solidFill>
+                <a:schemeClr val="tx1"/>
+              </a:solidFill>
+              <a:effectLst>
+                <a:outerShdw blurRad="38100" dist="38100" dir="2700000" algn="tl">
+                  <a:srgbClr val="000000">
+                    <a:alpha val="43137"/>
+                  </a:srgbClr>
+                </a:outerShdw>
+              </a:effectLst>
+              <a:latin typeface="Times New Roman" panose="02020603050405020304" pitchFamily="18" charset="0"/>
+              <a:cs typeface="Times New Roman" panose="02020603050405020304" pitchFamily="18" charset="0"/>
+            </a:endParaRPr>
+          </a:p>
+        </p:txBody>
+      </p:sp>
+      <p:sp>
+        <p:nvSpPr>
+          <p:cNvPr id="11" name="矩形 10"/>
+          <p:cNvSpPr/>
+          <p:nvPr/>
+        </p:nvSpPr>
+        <p:spPr>
+          <a:xfrm>
+            <a:off x="8347896" y="2857888"/>
+            <a:ext cx="2032000" cy="355600"/>
+          </a:xfrm>
+          <a:prstGeom prst="rect">
+            <a:avLst/>
+          </a:prstGeom>
+          <a:noFill/>
+          <a:ln w="25400">
+            <a:solidFill>
+              <a:schemeClr val="tx1"/>
+            </a:solidFill>
+            <a:prstDash val="dashDot"/>
+          </a:ln>
+        </p:spPr>
+        <p:style>
+          <a:lnRef idx="2">
+            <a:schemeClr val="accent1">
+              <a:shade val="50000"/>
+            </a:schemeClr>
+          </a:lnRef>
+          <a:fillRef idx="1">
+            <a:schemeClr val="accent1"/>
+          </a:fillRef>
+          <a:effectRef idx="0">
+            <a:schemeClr val="accent1"/>
+          </a:effectRef>
+          <a:fontRef idx="minor">
+            <a:schemeClr val="lt1"/>
+          </a:fontRef>
+        </p:style>
+        <p:txBody>
+          <a:bodyPr rtlCol="0" anchor="ctr"/>
+          <a:lstStyle/>
+          <a:p>
+            <a:pPr algn="ctr"/>
+            <a:r>
+              <a:rPr lang="zh-CN" altLang="en-US" b="1" dirty="0" smtClean="0">
+                <a:solidFill>
+                  <a:schemeClr val="accent3">
+                    <a:lumMod val="50000"/>
+                  </a:schemeClr>
+                </a:solidFill>
+                <a:latin typeface="Times New Roman" panose="02020603050405020304" pitchFamily="18" charset="0"/>
+                <a:cs typeface="Times New Roman" panose="02020603050405020304" pitchFamily="18" charset="0"/>
+              </a:rPr>
+              <a:t>统计分析</a:t>
+            </a:r>
+            <a:endParaRPr lang="zh-CN" altLang="en-US" b="1" dirty="0">
+              <a:solidFill>
+                <a:schemeClr val="accent3">
+                  <a:lumMod val="50000"/>
+                </a:schemeClr>
+              </a:solidFill>
+              <a:latin typeface="Times New Roman" panose="02020603050405020304" pitchFamily="18" charset="0"/>
+              <a:cs typeface="Times New Roman" panose="02020603050405020304" pitchFamily="18" charset="0"/>
+            </a:endParaRPr>
+          </a:p>
+        </p:txBody>
+      </p:sp>
+      <p:sp>
+        <p:nvSpPr>
+          <p:cNvPr id="12" name="文本框 11"/>
+          <p:cNvSpPr txBox="1"/>
+          <p:nvPr/>
+        </p:nvSpPr>
+        <p:spPr>
+          <a:xfrm>
+            <a:off x="9276479" y="3151995"/>
+            <a:ext cx="629920" cy="523220"/>
+          </a:xfrm>
+          <a:prstGeom prst="rect">
+            <a:avLst/>
+          </a:prstGeom>
+          <a:noFill/>
+        </p:spPr>
+        <p:txBody>
+          <a:bodyPr wrap="square" rtlCol="0">
+            <a:spAutoFit/>
+          </a:bodyPr>
+          <a:lstStyle/>
+          <a:p>
+            <a:r>
+              <a:rPr lang="en-US" altLang="zh-CN" sz="2800" b="1" dirty="0">
+                <a:effectLst>
+                  <a:outerShdw blurRad="38100" dist="38100" dir="2700000" algn="tl">
+                    <a:srgbClr val="000000">
+                      <a:alpha val="43137"/>
+                    </a:srgbClr>
+                  </a:outerShdw>
+                </a:effectLst>
+                <a:latin typeface="Times New Roman" panose="02020603050405020304" pitchFamily="18" charset="0"/>
+                <a:cs typeface="Times New Roman" panose="02020603050405020304" pitchFamily="18" charset="0"/>
+              </a:rPr>
+              <a:t>+</a:t>
+            </a:r>
+            <a:endParaRPr lang="zh-CN" altLang="en-US" sz="2800" b="1" dirty="0">
+              <a:effectLst>
+                <a:outerShdw blurRad="38100" dist="38100" dir="2700000" algn="tl">
+                  <a:srgbClr val="000000">
+                    <a:alpha val="43137"/>
+                  </a:srgbClr>
+                </a:outerShdw>
+              </a:effectLst>
+              <a:latin typeface="Times New Roman" panose="02020603050405020304" pitchFamily="18" charset="0"/>
+              <a:cs typeface="Times New Roman" panose="02020603050405020304" pitchFamily="18" charset="0"/>
+            </a:endParaRPr>
+          </a:p>
+        </p:txBody>
+      </p:sp>
+      <p:sp>
+        <p:nvSpPr>
+          <p:cNvPr id="13" name="矩形 12"/>
+          <p:cNvSpPr/>
+          <p:nvPr/>
+        </p:nvSpPr>
+        <p:spPr>
+          <a:xfrm>
+            <a:off x="7631616" y="3599844"/>
+            <a:ext cx="3616960" cy="503486"/>
+          </a:xfrm>
+          <a:prstGeom prst="rect">
+            <a:avLst/>
+          </a:prstGeom>
+          <a:solidFill>
+            <a:schemeClr val="accent2">
+              <a:lumMod val="20000"/>
+              <a:lumOff val="80000"/>
+            </a:schemeClr>
+          </a:solidFill>
+          <a:ln w="25400">
+            <a:solidFill>
+              <a:schemeClr val="tx1"/>
+            </a:solidFill>
+          </a:ln>
+        </p:spPr>
+        <p:style>
+          <a:lnRef idx="2">
+            <a:schemeClr val="accent1">
+              <a:shade val="50000"/>
+            </a:schemeClr>
+          </a:lnRef>
+          <a:fillRef idx="1">
+            <a:schemeClr val="accent1"/>
+          </a:fillRef>
+          <a:effectRef idx="0">
+            <a:schemeClr val="accent1"/>
+          </a:effectRef>
+          <a:fontRef idx="minor">
+            <a:schemeClr val="lt1"/>
+          </a:fontRef>
+        </p:style>
+        <p:txBody>
+          <a:bodyPr rtlCol="0" anchor="ctr"/>
+          <a:lstStyle/>
+          <a:p>
+            <a:pPr algn="ctr"/>
+            <a:r>
+              <a:rPr lang="zh-CN" altLang="en-US" b="1" dirty="0" smtClean="0">
+                <a:solidFill>
+                  <a:schemeClr val="tx1"/>
+                </a:solidFill>
+                <a:effectLst>
+                  <a:outerShdw blurRad="38100" dist="38100" dir="2700000" algn="tl">
+                    <a:srgbClr val="000000">
+                      <a:alpha val="43137"/>
+                    </a:srgbClr>
+                  </a:outerShdw>
+                </a:effectLst>
+                <a:latin typeface="Times New Roman" panose="02020603050405020304" pitchFamily="18" charset="0"/>
+                <a:cs typeface="Times New Roman" panose="02020603050405020304" pitchFamily="18" charset="0"/>
+              </a:rPr>
+              <a:t>抽象</a:t>
+            </a:r>
+            <a:r>
+              <a:rPr lang="en-US" altLang="zh-CN" b="1" dirty="0" smtClean="0">
+                <a:solidFill>
+                  <a:schemeClr val="tx1"/>
+                </a:solidFill>
+                <a:effectLst>
+                  <a:outerShdw blurRad="38100" dist="38100" dir="2700000" algn="tl">
+                    <a:srgbClr val="000000">
+                      <a:alpha val="43137"/>
+                    </a:srgbClr>
+                  </a:outerShdw>
+                </a:effectLst>
+                <a:latin typeface="Times New Roman" panose="02020603050405020304" pitchFamily="18" charset="0"/>
+                <a:cs typeface="Times New Roman" panose="02020603050405020304" pitchFamily="18" charset="0"/>
+              </a:rPr>
+              <a:t> </a:t>
+            </a:r>
+            <a:r>
+              <a:rPr lang="en-US" altLang="zh-CN" b="1" dirty="0">
+                <a:solidFill>
+                  <a:schemeClr val="tx1"/>
+                </a:solidFill>
+                <a:effectLst>
+                  <a:outerShdw blurRad="38100" dist="38100" dir="2700000" algn="tl">
+                    <a:srgbClr val="000000">
+                      <a:alpha val="43137"/>
+                    </a:srgbClr>
+                  </a:outerShdw>
+                </a:effectLst>
+                <a:latin typeface="Times New Roman" panose="02020603050405020304" pitchFamily="18" charset="0"/>
+                <a:cs typeface="Times New Roman" panose="02020603050405020304" pitchFamily="18" charset="0"/>
+              </a:rPr>
+              <a:t>&amp; </a:t>
+            </a:r>
+            <a:r>
+              <a:rPr lang="zh-CN" altLang="en-US" b="1" dirty="0" smtClean="0">
+                <a:solidFill>
+                  <a:schemeClr val="tx1"/>
+                </a:solidFill>
+                <a:effectLst>
+                  <a:outerShdw blurRad="38100" dist="38100" dir="2700000" algn="tl">
+                    <a:srgbClr val="000000">
+                      <a:alpha val="43137"/>
+                    </a:srgbClr>
+                  </a:outerShdw>
+                </a:effectLst>
+                <a:latin typeface="Times New Roman" panose="02020603050405020304" pitchFamily="18" charset="0"/>
+                <a:cs typeface="Times New Roman" panose="02020603050405020304" pitchFamily="18" charset="0"/>
+              </a:rPr>
+              <a:t>学习</a:t>
+            </a:r>
+            <a:r>
+              <a:rPr lang="en-US" altLang="zh-CN" b="1" dirty="0" smtClean="0">
+                <a:solidFill>
+                  <a:schemeClr val="tx1"/>
+                </a:solidFill>
+                <a:effectLst>
+                  <a:outerShdw blurRad="38100" dist="38100" dir="2700000" algn="tl">
+                    <a:srgbClr val="000000">
+                      <a:alpha val="43137"/>
+                    </a:srgbClr>
+                  </a:outerShdw>
+                </a:effectLst>
+                <a:latin typeface="Times New Roman" panose="02020603050405020304" pitchFamily="18" charset="0"/>
+                <a:cs typeface="Times New Roman" panose="02020603050405020304" pitchFamily="18" charset="0"/>
+              </a:rPr>
+              <a:t> </a:t>
+            </a:r>
+            <a:r>
+              <a:rPr lang="zh-CN" altLang="en-US" b="1" dirty="0" smtClean="0">
+                <a:solidFill>
+                  <a:schemeClr val="tx1"/>
+                </a:solidFill>
+                <a:effectLst>
+                  <a:outerShdw blurRad="38100" dist="38100" dir="2700000" algn="tl">
+                    <a:srgbClr val="000000">
+                      <a:alpha val="43137"/>
+                    </a:srgbClr>
+                  </a:outerShdw>
+                </a:effectLst>
+                <a:latin typeface="Times New Roman" panose="02020603050405020304" pitchFamily="18" charset="0"/>
+                <a:cs typeface="Times New Roman" panose="02020603050405020304" pitchFamily="18" charset="0"/>
+              </a:rPr>
+              <a:t>技术</a:t>
+            </a:r>
+            <a:endParaRPr lang="zh-CN" altLang="en-US" b="1" dirty="0">
+              <a:solidFill>
+                <a:schemeClr val="tx1"/>
+              </a:solidFill>
+              <a:effectLst>
+                <a:outerShdw blurRad="38100" dist="38100" dir="2700000" algn="tl">
+                  <a:srgbClr val="000000">
+                    <a:alpha val="43137"/>
+                  </a:srgbClr>
+                </a:outerShdw>
+              </a:effectLst>
+              <a:latin typeface="Times New Roman" panose="02020603050405020304" pitchFamily="18" charset="0"/>
+              <a:cs typeface="Times New Roman" panose="02020603050405020304" pitchFamily="18" charset="0"/>
+            </a:endParaRPr>
+          </a:p>
+        </p:txBody>
+      </p:sp>
+      <p:sp>
+        <p:nvSpPr>
+          <p:cNvPr id="14" name="矩形 13"/>
+          <p:cNvSpPr/>
+          <p:nvPr/>
+        </p:nvSpPr>
+        <p:spPr>
+          <a:xfrm>
+            <a:off x="4902770" y="2861217"/>
+            <a:ext cx="2032000" cy="355600"/>
+          </a:xfrm>
+          <a:prstGeom prst="rect">
+            <a:avLst/>
+          </a:prstGeom>
+          <a:noFill/>
+          <a:ln w="25400">
+            <a:solidFill>
+              <a:schemeClr val="tx1"/>
+            </a:solidFill>
+            <a:prstDash val="dashDot"/>
+          </a:ln>
+        </p:spPr>
+        <p:style>
+          <a:lnRef idx="2">
+            <a:schemeClr val="accent1">
+              <a:shade val="50000"/>
+            </a:schemeClr>
+          </a:lnRef>
+          <a:fillRef idx="1">
+            <a:schemeClr val="accent1"/>
+          </a:fillRef>
+          <a:effectRef idx="0">
+            <a:schemeClr val="accent1"/>
+          </a:effectRef>
+          <a:fontRef idx="minor">
+            <a:schemeClr val="lt1"/>
+          </a:fontRef>
+        </p:style>
+        <p:txBody>
+          <a:bodyPr rtlCol="0" anchor="ctr"/>
+          <a:lstStyle/>
+          <a:p>
+            <a:pPr algn="ctr"/>
+            <a:r>
+              <a:rPr lang="en-US" altLang="zh-CN" b="1" dirty="0">
+                <a:solidFill>
+                  <a:schemeClr val="accent3">
+                    <a:lumMod val="50000"/>
+                  </a:schemeClr>
+                </a:solidFill>
+                <a:latin typeface="Times New Roman" panose="02020603050405020304" pitchFamily="18" charset="0"/>
+                <a:cs typeface="Times New Roman" panose="02020603050405020304" pitchFamily="18" charset="0"/>
+              </a:rPr>
+              <a:t> </a:t>
+            </a:r>
+            <a:endParaRPr lang="zh-CN" altLang="en-US" b="1" dirty="0">
+              <a:solidFill>
+                <a:schemeClr val="accent3">
+                  <a:lumMod val="50000"/>
+                </a:schemeClr>
+              </a:solidFill>
+              <a:latin typeface="Times New Roman" panose="02020603050405020304" pitchFamily="18" charset="0"/>
+              <a:cs typeface="Times New Roman" panose="02020603050405020304" pitchFamily="18" charset="0"/>
+            </a:endParaRPr>
+          </a:p>
+        </p:txBody>
+      </p:sp>
+      <p:sp>
+        <p:nvSpPr>
+          <p:cNvPr id="15" name="矩形 14"/>
+          <p:cNvSpPr/>
+          <p:nvPr/>
+        </p:nvSpPr>
+        <p:spPr>
+          <a:xfrm>
+            <a:off x="956490" y="6896549"/>
+            <a:ext cx="10544631" cy="468700"/>
+          </a:xfrm>
+          <a:prstGeom prst="rect">
+            <a:avLst/>
+          </a:prstGeom>
+          <a:solidFill>
+            <a:schemeClr val="accent1">
+              <a:lumMod val="60000"/>
+              <a:lumOff val="40000"/>
+            </a:schemeClr>
+          </a:solidFill>
+          <a:ln w="25400">
+            <a:solidFill>
+              <a:schemeClr val="tx1"/>
+            </a:solidFill>
+          </a:ln>
+        </p:spPr>
+        <p:style>
+          <a:lnRef idx="2">
+            <a:schemeClr val="accent1">
+              <a:shade val="50000"/>
+            </a:schemeClr>
+          </a:lnRef>
+          <a:fillRef idx="1">
+            <a:schemeClr val="accent1"/>
+          </a:fillRef>
+          <a:effectRef idx="0">
+            <a:schemeClr val="accent1"/>
+          </a:effectRef>
+          <a:fontRef idx="minor">
+            <a:schemeClr val="lt1"/>
+          </a:fontRef>
+        </p:style>
+        <p:txBody>
+          <a:bodyPr rtlCol="0" anchor="ctr"/>
+          <a:lstStyle/>
+          <a:p>
+            <a:pPr algn="ctr"/>
+            <a:r>
+              <a:rPr lang="zh-CN" altLang="en-US" b="1" dirty="0" smtClean="0">
+                <a:solidFill>
+                  <a:schemeClr val="tx1"/>
+                </a:solidFill>
+                <a:effectLst>
+                  <a:outerShdw blurRad="38100" dist="38100" dir="2700000" algn="tl">
+                    <a:srgbClr val="000000">
+                      <a:alpha val="43137"/>
+                    </a:srgbClr>
+                  </a:outerShdw>
+                </a:effectLst>
+                <a:latin typeface="Times New Roman" panose="02020603050405020304" pitchFamily="18" charset="0"/>
+                <a:cs typeface="Times New Roman" panose="02020603050405020304" pitchFamily="18" charset="0"/>
+              </a:rPr>
+              <a:t>基于抽象和学习的分布式统计模型检测算法</a:t>
+            </a:r>
+            <a:r>
+              <a:rPr lang="en-US" altLang="zh-CN" b="1" dirty="0" smtClean="0">
+                <a:solidFill>
+                  <a:schemeClr val="tx1"/>
+                </a:solidFill>
+                <a:effectLst>
+                  <a:outerShdw blurRad="38100" dist="38100" dir="2700000" algn="tl">
+                    <a:srgbClr val="000000">
+                      <a:alpha val="43137"/>
+                    </a:srgbClr>
+                  </a:outerShdw>
+                </a:effectLst>
+                <a:latin typeface="Times New Roman" panose="02020603050405020304" pitchFamily="18" charset="0"/>
+                <a:cs typeface="Times New Roman" panose="02020603050405020304" pitchFamily="18" charset="0"/>
+              </a:rPr>
+              <a:t> </a:t>
+            </a:r>
+            <a:endParaRPr lang="zh-CN" altLang="en-US" b="1" dirty="0">
+              <a:solidFill>
+                <a:schemeClr val="tx1"/>
+              </a:solidFill>
+              <a:effectLst>
+                <a:outerShdw blurRad="38100" dist="38100" dir="2700000" algn="tl">
+                  <a:srgbClr val="000000">
+                    <a:alpha val="43137"/>
+                  </a:srgbClr>
+                </a:outerShdw>
+              </a:effectLst>
+              <a:latin typeface="Times New Roman" panose="02020603050405020304" pitchFamily="18" charset="0"/>
+              <a:cs typeface="Times New Roman" panose="02020603050405020304" pitchFamily="18" charset="0"/>
+            </a:endParaRPr>
+          </a:p>
+        </p:txBody>
+      </p:sp>
+      <p:sp>
+        <p:nvSpPr>
+          <p:cNvPr id="21" name="箭头: 下 20"/>
+          <p:cNvSpPr/>
+          <p:nvPr/>
+        </p:nvSpPr>
+        <p:spPr>
+          <a:xfrm>
+            <a:off x="2584540" y="4183948"/>
+            <a:ext cx="401498" cy="595486"/>
+          </a:xfrm>
+          <a:prstGeom prst="downArrow">
+            <a:avLst/>
+          </a:prstGeom>
+          <a:solidFill>
+            <a:schemeClr val="accent1">
+              <a:lumMod val="75000"/>
+            </a:schemeClr>
+          </a:solidFill>
+        </p:spPr>
+        <p:style>
+          <a:lnRef idx="2">
+            <a:schemeClr val="accent1">
+              <a:shade val="50000"/>
+            </a:schemeClr>
+          </a:lnRef>
+          <a:fillRef idx="1">
+            <a:schemeClr val="accent1"/>
+          </a:fillRef>
+          <a:effectRef idx="0">
+            <a:schemeClr val="accent1"/>
+          </a:effectRef>
+          <a:fontRef idx="minor">
+            <a:schemeClr val="lt1"/>
+          </a:fontRef>
+        </p:style>
+        <p:txBody>
+          <a:bodyPr rtlCol="0" anchor="ctr"/>
+          <a:lstStyle/>
+          <a:p>
+            <a:pPr algn="ctr"/>
+            <a:endParaRPr lang="zh-CN" altLang="en-US" b="1">
+              <a:effectLst>
+                <a:outerShdw blurRad="38100" dist="38100" dir="2700000" algn="tl">
+                  <a:srgbClr val="000000">
+                    <a:alpha val="43137"/>
+                  </a:srgbClr>
+                </a:outerShdw>
+              </a:effectLst>
+              <a:latin typeface="Times New Roman" panose="02020603050405020304" pitchFamily="18" charset="0"/>
+              <a:cs typeface="Times New Roman" panose="02020603050405020304" pitchFamily="18" charset="0"/>
+            </a:endParaRPr>
+          </a:p>
+        </p:txBody>
+      </p:sp>
+      <p:sp>
+        <p:nvSpPr>
+          <p:cNvPr id="22" name="箭头: 下 21"/>
+          <p:cNvSpPr/>
+          <p:nvPr/>
+        </p:nvSpPr>
+        <p:spPr>
+          <a:xfrm>
+            <a:off x="9349926" y="4177555"/>
+            <a:ext cx="416560" cy="590347"/>
+          </a:xfrm>
+          <a:prstGeom prst="downArrow">
+            <a:avLst/>
+          </a:prstGeom>
+          <a:solidFill>
+            <a:schemeClr val="accent1">
+              <a:lumMod val="75000"/>
+            </a:schemeClr>
+          </a:solidFill>
+        </p:spPr>
+        <p:style>
+          <a:lnRef idx="2">
+            <a:schemeClr val="accent1">
+              <a:shade val="50000"/>
+            </a:schemeClr>
+          </a:lnRef>
+          <a:fillRef idx="1">
+            <a:schemeClr val="accent1"/>
+          </a:fillRef>
+          <a:effectRef idx="0">
+            <a:schemeClr val="accent1"/>
+          </a:effectRef>
+          <a:fontRef idx="minor">
+            <a:schemeClr val="lt1"/>
+          </a:fontRef>
+        </p:style>
+        <p:txBody>
+          <a:bodyPr rtlCol="0" anchor="ctr"/>
+          <a:lstStyle/>
+          <a:p>
+            <a:pPr algn="ctr"/>
+            <a:endParaRPr lang="zh-CN" altLang="en-US" b="1" dirty="0">
+              <a:effectLst>
+                <a:outerShdw blurRad="38100" dist="38100" dir="2700000" algn="tl">
+                  <a:srgbClr val="000000">
+                    <a:alpha val="43137"/>
+                  </a:srgbClr>
+                </a:outerShdw>
+              </a:effectLst>
+              <a:latin typeface="Times New Roman" panose="02020603050405020304" pitchFamily="18" charset="0"/>
+              <a:cs typeface="Times New Roman" panose="02020603050405020304" pitchFamily="18" charset="0"/>
+            </a:endParaRPr>
+          </a:p>
+        </p:txBody>
+      </p:sp>
+      <p:sp>
+        <p:nvSpPr>
+          <p:cNvPr id="23" name="矩形 22"/>
+          <p:cNvSpPr/>
+          <p:nvPr/>
+        </p:nvSpPr>
+        <p:spPr>
+          <a:xfrm>
+            <a:off x="1536014" y="3599845"/>
+            <a:ext cx="2672080" cy="490793"/>
+          </a:xfrm>
+          <a:prstGeom prst="rect">
+            <a:avLst/>
+          </a:prstGeom>
+          <a:solidFill>
+            <a:schemeClr val="accent2">
+              <a:lumMod val="20000"/>
+              <a:lumOff val="80000"/>
+            </a:schemeClr>
+          </a:solidFill>
+          <a:ln w="25400">
+            <a:solidFill>
+              <a:schemeClr val="tx1"/>
+            </a:solidFill>
+          </a:ln>
+        </p:spPr>
+        <p:style>
+          <a:lnRef idx="2">
+            <a:schemeClr val="accent1">
+              <a:shade val="50000"/>
+            </a:schemeClr>
+          </a:lnRef>
+          <a:fillRef idx="1">
+            <a:schemeClr val="accent1"/>
+          </a:fillRef>
+          <a:effectRef idx="0">
+            <a:schemeClr val="accent1"/>
+          </a:effectRef>
+          <a:fontRef idx="minor">
+            <a:schemeClr val="lt1"/>
+          </a:fontRef>
+        </p:style>
+        <p:txBody>
+          <a:bodyPr rtlCol="0" anchor="ctr"/>
+          <a:lstStyle/>
+          <a:p>
+            <a:pPr algn="ctr"/>
+            <a:r>
+              <a:rPr lang="zh-CN" altLang="en-US" b="1" dirty="0" smtClean="0">
+                <a:solidFill>
+                  <a:schemeClr val="tx1"/>
+                </a:solidFill>
+                <a:effectLst>
+                  <a:outerShdw blurRad="38100" dist="38100" dir="2700000" algn="tl">
+                    <a:srgbClr val="000000">
+                      <a:alpha val="43137"/>
+                    </a:srgbClr>
+                  </a:outerShdw>
+                </a:effectLst>
+                <a:latin typeface="Times New Roman" panose="02020603050405020304" pitchFamily="18" charset="0"/>
+                <a:cs typeface="Times New Roman" panose="02020603050405020304" pitchFamily="18" charset="0"/>
+              </a:rPr>
+              <a:t>分布式技术</a:t>
+            </a:r>
+            <a:endParaRPr lang="zh-CN" altLang="en-US" b="1" dirty="0">
+              <a:solidFill>
+                <a:schemeClr val="tx1"/>
+              </a:solidFill>
+              <a:effectLst>
+                <a:outerShdw blurRad="38100" dist="38100" dir="2700000" algn="tl">
+                  <a:srgbClr val="000000">
+                    <a:alpha val="43137"/>
+                  </a:srgbClr>
+                </a:outerShdw>
+              </a:effectLst>
+              <a:latin typeface="Times New Roman" panose="02020603050405020304" pitchFamily="18" charset="0"/>
+              <a:cs typeface="Times New Roman" panose="02020603050405020304" pitchFamily="18" charset="0"/>
+            </a:endParaRPr>
+          </a:p>
+        </p:txBody>
+      </p:sp>
+      <p:sp>
+        <p:nvSpPr>
+          <p:cNvPr id="24" name="矩形 23"/>
+          <p:cNvSpPr/>
+          <p:nvPr/>
+        </p:nvSpPr>
+        <p:spPr>
+          <a:xfrm>
+            <a:off x="7531101" y="4814597"/>
+            <a:ext cx="3970020" cy="579120"/>
+          </a:xfrm>
+          <a:prstGeom prst="rect">
+            <a:avLst/>
+          </a:prstGeom>
+          <a:solidFill>
+            <a:schemeClr val="accent2">
+              <a:lumMod val="60000"/>
+              <a:lumOff val="40000"/>
+            </a:schemeClr>
+          </a:solidFill>
+          <a:ln w="25400">
+            <a:solidFill>
+              <a:schemeClr val="tx1"/>
+            </a:solidFill>
+          </a:ln>
+        </p:spPr>
+        <p:style>
+          <a:lnRef idx="2">
+            <a:schemeClr val="accent1">
+              <a:shade val="50000"/>
+            </a:schemeClr>
+          </a:lnRef>
+          <a:fillRef idx="1">
+            <a:schemeClr val="accent1"/>
+          </a:fillRef>
+          <a:effectRef idx="0">
+            <a:schemeClr val="accent1"/>
+          </a:effectRef>
+          <a:fontRef idx="minor">
+            <a:schemeClr val="lt1"/>
+          </a:fontRef>
+        </p:style>
+        <p:txBody>
+          <a:bodyPr rtlCol="0" anchor="ctr"/>
+          <a:lstStyle/>
+          <a:p>
+            <a:pPr algn="ctr"/>
+            <a:r>
+              <a:rPr lang="zh-CN" altLang="en-US" b="1" dirty="0" smtClean="0">
+                <a:solidFill>
+                  <a:schemeClr val="tx1"/>
+                </a:solidFill>
+                <a:effectLst>
+                  <a:outerShdw blurRad="38100" dist="38100" dir="2700000" algn="tl">
+                    <a:srgbClr val="000000">
+                      <a:alpha val="43137"/>
+                    </a:srgbClr>
+                  </a:outerShdw>
+                </a:effectLst>
+                <a:latin typeface="Times New Roman" panose="02020603050405020304" pitchFamily="18" charset="0"/>
+                <a:cs typeface="Times New Roman" panose="02020603050405020304" pitchFamily="18" charset="0"/>
+              </a:rPr>
+              <a:t>基于抽象和学习的</a:t>
+            </a:r>
+            <a:r>
+              <a:rPr lang="en-US" altLang="zh-CN" b="1" dirty="0" smtClean="0">
+                <a:solidFill>
+                  <a:schemeClr val="tx1"/>
+                </a:solidFill>
+                <a:effectLst>
+                  <a:outerShdw blurRad="38100" dist="38100" dir="2700000" algn="tl">
+                    <a:srgbClr val="000000">
+                      <a:alpha val="43137"/>
+                    </a:srgbClr>
+                  </a:outerShdw>
+                </a:effectLst>
+                <a:latin typeface="Times New Roman" panose="02020603050405020304" pitchFamily="18" charset="0"/>
+                <a:cs typeface="Times New Roman" panose="02020603050405020304" pitchFamily="18" charset="0"/>
+              </a:rPr>
+              <a:t>SMC</a:t>
+            </a:r>
+            <a:endParaRPr lang="zh-CN" altLang="en-US" b="1" dirty="0">
+              <a:solidFill>
+                <a:schemeClr val="tx1"/>
+              </a:solidFill>
+              <a:effectLst>
+                <a:outerShdw blurRad="38100" dist="38100" dir="2700000" algn="tl">
+                  <a:srgbClr val="000000">
+                    <a:alpha val="43137"/>
+                  </a:srgbClr>
+                </a:outerShdw>
+              </a:effectLst>
+              <a:latin typeface="Times New Roman" panose="02020603050405020304" pitchFamily="18" charset="0"/>
+              <a:cs typeface="Times New Roman" panose="02020603050405020304" pitchFamily="18" charset="0"/>
+            </a:endParaRPr>
+          </a:p>
+        </p:txBody>
+      </p:sp>
+      <p:sp>
+        <p:nvSpPr>
+          <p:cNvPr id="25" name="箭头: 下 24"/>
+          <p:cNvSpPr/>
+          <p:nvPr/>
+        </p:nvSpPr>
+        <p:spPr>
+          <a:xfrm rot="20405261">
+            <a:off x="2961458" y="6085757"/>
+            <a:ext cx="401498" cy="595486"/>
+          </a:xfrm>
+          <a:prstGeom prst="downArrow">
+            <a:avLst/>
+          </a:prstGeom>
+          <a:solidFill>
+            <a:schemeClr val="accent1">
+              <a:lumMod val="75000"/>
+            </a:schemeClr>
+          </a:solidFill>
+        </p:spPr>
+        <p:style>
+          <a:lnRef idx="2">
+            <a:schemeClr val="accent1">
+              <a:shade val="50000"/>
+            </a:schemeClr>
+          </a:lnRef>
+          <a:fillRef idx="1">
+            <a:schemeClr val="accent1"/>
+          </a:fillRef>
+          <a:effectRef idx="0">
+            <a:schemeClr val="accent1"/>
+          </a:effectRef>
+          <a:fontRef idx="minor">
+            <a:schemeClr val="lt1"/>
+          </a:fontRef>
+        </p:style>
+        <p:txBody>
+          <a:bodyPr rtlCol="0" anchor="ctr"/>
+          <a:lstStyle/>
+          <a:p>
+            <a:pPr algn="ctr"/>
+            <a:endParaRPr lang="zh-CN" altLang="en-US" b="1">
+              <a:effectLst>
+                <a:outerShdw blurRad="38100" dist="38100" dir="2700000" algn="tl">
+                  <a:srgbClr val="000000">
+                    <a:alpha val="43137"/>
+                  </a:srgbClr>
+                </a:outerShdw>
+              </a:effectLst>
+              <a:latin typeface="Times New Roman" panose="02020603050405020304" pitchFamily="18" charset="0"/>
+              <a:cs typeface="Times New Roman" panose="02020603050405020304" pitchFamily="18" charset="0"/>
+            </a:endParaRPr>
+          </a:p>
+        </p:txBody>
+      </p:sp>
+      <p:sp>
+        <p:nvSpPr>
+          <p:cNvPr id="26" name="箭头: 下 25"/>
+          <p:cNvSpPr/>
+          <p:nvPr/>
+        </p:nvSpPr>
+        <p:spPr>
+          <a:xfrm rot="936130">
+            <a:off x="8590658" y="6057772"/>
+            <a:ext cx="401498" cy="595486"/>
+          </a:xfrm>
+          <a:prstGeom prst="downArrow">
+            <a:avLst/>
+          </a:prstGeom>
+          <a:solidFill>
+            <a:schemeClr val="accent1">
+              <a:lumMod val="75000"/>
+            </a:schemeClr>
+          </a:solidFill>
+        </p:spPr>
+        <p:style>
+          <a:lnRef idx="2">
+            <a:schemeClr val="accent1">
+              <a:shade val="50000"/>
+            </a:schemeClr>
+          </a:lnRef>
+          <a:fillRef idx="1">
+            <a:schemeClr val="accent1"/>
+          </a:fillRef>
+          <a:effectRef idx="0">
+            <a:schemeClr val="accent1"/>
+          </a:effectRef>
+          <a:fontRef idx="minor">
+            <a:schemeClr val="lt1"/>
+          </a:fontRef>
+        </p:style>
+        <p:txBody>
+          <a:bodyPr rot="0" spcFirstLastPara="0" vert="horz" wrap="square" lIns="91440" tIns="45720" rIns="91440" bIns="45720" numCol="1" spcCol="0" rtlCol="0" fromWordArt="0" anchor="ctr" anchorCtr="0" forceAA="0" compatLnSpc="1">
+            <a:prstTxWarp prst="textNoShape">
+              <a:avLst/>
+            </a:prstTxWarp>
+            <a:noAutofit/>
+          </a:bodyPr>
+          <a:lstStyle>
+            <a:defPPr>
+              <a:defRPr lang="zh-CN"/>
+            </a:defPPr>
+            <a:lvl1pPr marL="0" algn="l" defTabSz="914400" rtl="0" eaLnBrk="1" latinLnBrk="0" hangingPunct="1">
+              <a:defRPr sz="1800" kern="1200">
+                <a:solidFill>
+                  <a:schemeClr val="lt1"/>
+                </a:solidFill>
+                <a:latin typeface="+mn-lt"/>
+                <a:ea typeface="+mn-ea"/>
+                <a:cs typeface="+mn-cs"/>
+              </a:defRPr>
+            </a:lvl1pPr>
+            <a:lvl2pPr marL="457200" algn="l" defTabSz="914400" rtl="0" eaLnBrk="1" latinLnBrk="0" hangingPunct="1">
+              <a:defRPr sz="1800" kern="1200">
+                <a:solidFill>
+                  <a:schemeClr val="lt1"/>
+                </a:solidFill>
+                <a:latin typeface="+mn-lt"/>
+                <a:ea typeface="+mn-ea"/>
+                <a:cs typeface="+mn-cs"/>
+              </a:defRPr>
+            </a:lvl2pPr>
+            <a:lvl3pPr marL="914400" algn="l" defTabSz="914400" rtl="0" eaLnBrk="1" latinLnBrk="0" hangingPunct="1">
+              <a:defRPr sz="1800" kern="1200">
+                <a:solidFill>
+                  <a:schemeClr val="lt1"/>
+                </a:solidFill>
+                <a:latin typeface="+mn-lt"/>
+                <a:ea typeface="+mn-ea"/>
+                <a:cs typeface="+mn-cs"/>
+              </a:defRPr>
+            </a:lvl3pPr>
+            <a:lvl4pPr marL="1371600" algn="l" defTabSz="914400" rtl="0" eaLnBrk="1" latinLnBrk="0" hangingPunct="1">
+              <a:defRPr sz="1800" kern="1200">
+                <a:solidFill>
+                  <a:schemeClr val="lt1"/>
+                </a:solidFill>
+                <a:latin typeface="+mn-lt"/>
+                <a:ea typeface="+mn-ea"/>
+                <a:cs typeface="+mn-cs"/>
+              </a:defRPr>
+            </a:lvl4pPr>
+            <a:lvl5pPr marL="1828800" algn="l" defTabSz="914400" rtl="0" eaLnBrk="1" latinLnBrk="0" hangingPunct="1">
+              <a:defRPr sz="1800" kern="1200">
+                <a:solidFill>
+                  <a:schemeClr val="lt1"/>
+                </a:solidFill>
+                <a:latin typeface="+mn-lt"/>
+                <a:ea typeface="+mn-ea"/>
+                <a:cs typeface="+mn-cs"/>
+              </a:defRPr>
+            </a:lvl5pPr>
+            <a:lvl6pPr marL="2286000" algn="l" defTabSz="914400" rtl="0" eaLnBrk="1" latinLnBrk="0" hangingPunct="1">
+              <a:defRPr sz="1800" kern="1200">
+                <a:solidFill>
+                  <a:schemeClr val="lt1"/>
+                </a:solidFill>
+                <a:latin typeface="+mn-lt"/>
+                <a:ea typeface="+mn-ea"/>
+                <a:cs typeface="+mn-cs"/>
+              </a:defRPr>
+            </a:lvl6pPr>
+            <a:lvl7pPr marL="2743200" algn="l" defTabSz="914400" rtl="0" eaLnBrk="1" latinLnBrk="0" hangingPunct="1">
+              <a:defRPr sz="1800" kern="1200">
+                <a:solidFill>
+                  <a:schemeClr val="lt1"/>
+                </a:solidFill>
+                <a:latin typeface="+mn-lt"/>
+                <a:ea typeface="+mn-ea"/>
+                <a:cs typeface="+mn-cs"/>
+              </a:defRPr>
+            </a:lvl7pPr>
+            <a:lvl8pPr marL="3200400" algn="l" defTabSz="914400" rtl="0" eaLnBrk="1" latinLnBrk="0" hangingPunct="1">
+              <a:defRPr sz="1800" kern="1200">
+                <a:solidFill>
+                  <a:schemeClr val="lt1"/>
+                </a:solidFill>
+                <a:latin typeface="+mn-lt"/>
+                <a:ea typeface="+mn-ea"/>
+                <a:cs typeface="+mn-cs"/>
+              </a:defRPr>
+            </a:lvl8pPr>
+            <a:lvl9pPr marL="3657600" algn="l" defTabSz="914400" rtl="0" eaLnBrk="1" latinLnBrk="0" hangingPunct="1">
+              <a:defRPr sz="1800" kern="1200">
+                <a:solidFill>
+                  <a:schemeClr val="lt1"/>
+                </a:solidFill>
+                <a:latin typeface="+mn-lt"/>
+                <a:ea typeface="+mn-ea"/>
+                <a:cs typeface="+mn-cs"/>
+              </a:defRPr>
+            </a:lvl9pPr>
+          </a:lstStyle>
+          <a:p>
+            <a:pPr algn="ctr"/>
+            <a:endParaRPr lang="zh-CN" altLang="en-US" b="1">
+              <a:effectLst>
+                <a:outerShdw blurRad="38100" dist="38100" dir="2700000" algn="tl">
+                  <a:srgbClr val="000000">
+                    <a:alpha val="43137"/>
+                  </a:srgbClr>
+                </a:outerShdw>
+              </a:effectLst>
+              <a:latin typeface="Times New Roman" panose="02020603050405020304" pitchFamily="18" charset="0"/>
+              <a:cs typeface="Times New Roman" panose="02020603050405020304" pitchFamily="18" charset="0"/>
+            </a:endParaRPr>
+          </a:p>
+        </p:txBody>
+      </p:sp>
+      <p:sp>
+        <p:nvSpPr>
+          <p:cNvPr id="29" name="矩形 28"/>
+          <p:cNvSpPr/>
+          <p:nvPr/>
+        </p:nvSpPr>
+        <p:spPr>
+          <a:xfrm>
+            <a:off x="956489" y="5389123"/>
+            <a:ext cx="3657600" cy="484347"/>
+          </a:xfrm>
+          <a:prstGeom prst="rect">
+            <a:avLst/>
+          </a:prstGeom>
+          <a:noFill/>
+          <a:ln w="25400">
+            <a:solidFill>
+              <a:schemeClr val="tx1"/>
+            </a:solidFill>
+            <a:prstDash val="dashDot"/>
+          </a:ln>
+        </p:spPr>
+        <p:style>
+          <a:lnRef idx="2">
+            <a:schemeClr val="accent1">
+              <a:shade val="50000"/>
+            </a:schemeClr>
+          </a:lnRef>
+          <a:fillRef idx="1">
+            <a:schemeClr val="accent1"/>
+          </a:fillRef>
+          <a:effectRef idx="0">
+            <a:schemeClr val="accent1"/>
+          </a:effectRef>
+          <a:fontRef idx="minor">
+            <a:schemeClr val="lt1"/>
+          </a:fontRef>
+        </p:style>
+        <p:txBody>
+          <a:bodyPr rtlCol="0" anchor="ctr"/>
+          <a:lstStyle/>
+          <a:p>
+            <a:pPr algn="ctr"/>
+            <a:r>
+              <a:rPr lang="zh-CN" altLang="en-US" b="1" dirty="0" smtClean="0">
+                <a:solidFill>
+                  <a:schemeClr val="accent3">
+                    <a:lumMod val="50000"/>
+                  </a:schemeClr>
+                </a:solidFill>
+                <a:latin typeface="Times New Roman" panose="02020603050405020304" pitchFamily="18" charset="0"/>
+                <a:cs typeface="Times New Roman" panose="02020603050405020304" pitchFamily="18" charset="0"/>
+              </a:rPr>
+              <a:t>减少单条迹产生需要的时间</a:t>
+            </a:r>
+            <a:endParaRPr lang="zh-CN" altLang="en-US" b="1" dirty="0">
+              <a:solidFill>
+                <a:schemeClr val="accent3">
+                  <a:lumMod val="50000"/>
+                </a:schemeClr>
+              </a:solidFill>
+              <a:latin typeface="Times New Roman" panose="02020603050405020304" pitchFamily="18" charset="0"/>
+              <a:cs typeface="Times New Roman" panose="02020603050405020304" pitchFamily="18" charset="0"/>
+            </a:endParaRPr>
+          </a:p>
+        </p:txBody>
+      </p:sp>
+      <p:sp>
+        <p:nvSpPr>
+          <p:cNvPr id="30" name="矩形 29"/>
+          <p:cNvSpPr/>
+          <p:nvPr/>
+        </p:nvSpPr>
+        <p:spPr>
+          <a:xfrm>
+            <a:off x="7531102" y="5388452"/>
+            <a:ext cx="3970019" cy="484347"/>
+          </a:xfrm>
+          <a:prstGeom prst="rect">
+            <a:avLst/>
+          </a:prstGeom>
+          <a:noFill/>
+          <a:ln w="25400">
+            <a:solidFill>
+              <a:schemeClr val="tx1"/>
+            </a:solidFill>
+            <a:prstDash val="dashDot"/>
+          </a:ln>
+        </p:spPr>
+        <p:style>
+          <a:lnRef idx="2">
+            <a:schemeClr val="accent1">
+              <a:shade val="50000"/>
+            </a:schemeClr>
+          </a:lnRef>
+          <a:fillRef idx="1">
+            <a:schemeClr val="accent1"/>
+          </a:fillRef>
+          <a:effectRef idx="0">
+            <a:schemeClr val="accent1"/>
+          </a:effectRef>
+          <a:fontRef idx="minor">
+            <a:schemeClr val="lt1"/>
+          </a:fontRef>
+        </p:style>
+        <p:txBody>
+          <a:bodyPr rtlCol="0" anchor="ctr"/>
+          <a:lstStyle/>
+          <a:p>
+            <a:pPr algn="ctr"/>
+            <a:r>
+              <a:rPr lang="zh-CN" altLang="en-US" b="1" dirty="0" smtClean="0">
+                <a:solidFill>
+                  <a:schemeClr val="accent3">
+                    <a:lumMod val="50000"/>
+                  </a:schemeClr>
+                </a:solidFill>
+                <a:latin typeface="Times New Roman" panose="02020603050405020304" pitchFamily="18" charset="0"/>
+                <a:cs typeface="Times New Roman" panose="02020603050405020304" pitchFamily="18" charset="0"/>
+              </a:rPr>
+              <a:t>减少产生迹的数量</a:t>
+            </a:r>
+            <a:endParaRPr lang="zh-CN" altLang="en-US" b="1" dirty="0">
+              <a:solidFill>
+                <a:schemeClr val="accent3">
+                  <a:lumMod val="50000"/>
+                </a:schemeClr>
+              </a:solidFill>
+              <a:latin typeface="Times New Roman" panose="02020603050405020304" pitchFamily="18" charset="0"/>
+              <a:cs typeface="Times New Roman" panose="02020603050405020304" pitchFamily="18" charset="0"/>
+            </a:endParaRPr>
+          </a:p>
+        </p:txBody>
+      </p:sp>
+      <p:sp>
+        <p:nvSpPr>
+          <p:cNvPr id="31" name="矩形 30"/>
+          <p:cNvSpPr/>
+          <p:nvPr/>
+        </p:nvSpPr>
+        <p:spPr>
+          <a:xfrm>
+            <a:off x="1391920" y="2222220"/>
+            <a:ext cx="2976880" cy="1935015"/>
+          </a:xfrm>
+          <a:prstGeom prst="rect">
+            <a:avLst/>
+          </a:prstGeom>
+          <a:noFill/>
+          <a:ln w="19050">
+            <a:prstDash val="dash"/>
+          </a:ln>
+        </p:spPr>
+        <p:style>
+          <a:lnRef idx="2">
+            <a:schemeClr val="accent1">
+              <a:shade val="50000"/>
+            </a:schemeClr>
+          </a:lnRef>
+          <a:fillRef idx="1">
+            <a:schemeClr val="accent1"/>
+          </a:fillRef>
+          <a:effectRef idx="0">
+            <a:schemeClr val="accent1"/>
+          </a:effectRef>
+          <a:fontRef idx="minor">
+            <a:schemeClr val="lt1"/>
+          </a:fontRef>
+        </p:style>
+        <p:txBody>
+          <a:bodyPr rtlCol="0" anchor="ctr"/>
+          <a:lstStyle/>
+          <a:p>
+            <a:pPr algn="ctr"/>
+            <a:endParaRPr lang="zh-CN" altLang="en-US" b="1">
+              <a:effectLst>
+                <a:outerShdw blurRad="38100" dist="38100" dir="2700000" algn="tl">
+                  <a:srgbClr val="000000">
+                    <a:alpha val="43137"/>
+                  </a:srgbClr>
+                </a:outerShdw>
+              </a:effectLst>
+              <a:latin typeface="Times New Roman" panose="02020603050405020304" pitchFamily="18" charset="0"/>
+              <a:cs typeface="Times New Roman" panose="02020603050405020304" pitchFamily="18" charset="0"/>
+            </a:endParaRPr>
+          </a:p>
+        </p:txBody>
+      </p:sp>
+      <p:sp>
+        <p:nvSpPr>
+          <p:cNvPr id="32" name="矩形 31"/>
+          <p:cNvSpPr/>
+          <p:nvPr/>
+        </p:nvSpPr>
+        <p:spPr>
+          <a:xfrm>
+            <a:off x="7468741" y="2222220"/>
+            <a:ext cx="3864848" cy="1935015"/>
+          </a:xfrm>
+          <a:prstGeom prst="rect">
+            <a:avLst/>
+          </a:prstGeom>
+          <a:noFill/>
+          <a:ln w="19050">
+            <a:prstDash val="dash"/>
+          </a:ln>
+        </p:spPr>
+        <p:style>
+          <a:lnRef idx="2">
+            <a:schemeClr val="accent1">
+              <a:shade val="50000"/>
+            </a:schemeClr>
+          </a:lnRef>
+          <a:fillRef idx="1">
+            <a:schemeClr val="accent1"/>
+          </a:fillRef>
+          <a:effectRef idx="0">
+            <a:schemeClr val="accent1"/>
+          </a:effectRef>
+          <a:fontRef idx="minor">
+            <a:schemeClr val="lt1"/>
+          </a:fontRef>
+        </p:style>
+        <p:txBody>
+          <a:bodyPr rtlCol="0" anchor="ctr"/>
+          <a:lstStyle/>
+          <a:p>
+            <a:pPr algn="ctr"/>
+            <a:endParaRPr lang="zh-CN" altLang="en-US" b="1">
+              <a:effectLst>
+                <a:outerShdw blurRad="38100" dist="38100" dir="2700000" algn="tl">
+                  <a:srgbClr val="000000">
+                    <a:alpha val="43137"/>
+                  </a:srgbClr>
+                </a:outerShdw>
+              </a:effectLst>
+              <a:latin typeface="Times New Roman" panose="02020603050405020304" pitchFamily="18" charset="0"/>
+              <a:cs typeface="Times New Roman" panose="02020603050405020304" pitchFamily="18" charset="0"/>
+            </a:endParaRPr>
+          </a:p>
+        </p:txBody>
+      </p:sp>
+      <p:sp>
+        <p:nvSpPr>
+          <p:cNvPr id="2" name="矩形 1"/>
+          <p:cNvSpPr/>
+          <p:nvPr/>
+        </p:nvSpPr>
+        <p:spPr>
+          <a:xfrm>
+            <a:off x="956490" y="1732013"/>
+            <a:ext cx="10544631" cy="2589956"/>
+          </a:xfrm>
+          <a:prstGeom prst="rect">
+            <a:avLst/>
+          </a:prstGeom>
+          <a:noFill/>
+          <a:ln w="19050">
+            <a:prstDash val="solid"/>
+          </a:ln>
+        </p:spPr>
+        <p:style>
+          <a:lnRef idx="2">
+            <a:schemeClr val="accent1">
+              <a:shade val="50000"/>
+            </a:schemeClr>
+          </a:lnRef>
+          <a:fillRef idx="1">
+            <a:schemeClr val="accent1"/>
+          </a:fillRef>
+          <a:effectRef idx="0">
+            <a:schemeClr val="accent1"/>
+          </a:effectRef>
+          <a:fontRef idx="minor">
+            <a:schemeClr val="lt1"/>
+          </a:fontRef>
+        </p:style>
+        <p:txBody>
+          <a:bodyPr rtlCol="0" anchor="ctr"/>
+          <a:lstStyle/>
+          <a:p>
+            <a:pPr algn="ctr"/>
+            <a:endParaRPr lang="zh-CN" altLang="en-US" b="1">
+              <a:effectLst>
+                <a:outerShdw blurRad="38100" dist="38100" dir="2700000" algn="tl">
+                  <a:srgbClr val="000000">
+                    <a:alpha val="43137"/>
+                  </a:srgbClr>
+                </a:outerShdw>
+              </a:effectLst>
+              <a:latin typeface="Times New Roman" panose="02020603050405020304" pitchFamily="18" charset="0"/>
+              <a:cs typeface="Times New Roman" panose="02020603050405020304" pitchFamily="18" charset="0"/>
+            </a:endParaRPr>
+          </a:p>
+        </p:txBody>
+      </p:sp>
+      <p:pic>
+        <p:nvPicPr>
+          <p:cNvPr id="16" name="图片 15"/>
+          <p:cNvPicPr>
+            <a:picLocks noChangeAspect="1"/>
+          </p:cNvPicPr>
+          <p:nvPr/>
+        </p:nvPicPr>
+        <p:blipFill>
+          <a:blip r:embed="rId2">
+            <a:extLst>
+              <a:ext uri="{28A0092B-C50C-407E-A947-70E740481C1C}">
+                <a14:useLocalDpi xmlns:a14="http://schemas.microsoft.com/office/drawing/2010/main" val="0"/>
+              </a:ext>
+            </a:extLst>
+          </a:blip>
+          <a:stretch>
+            <a:fillRect/>
+          </a:stretch>
+        </p:blipFill>
+        <p:spPr>
+          <a:xfrm>
+            <a:off x="5406562" y="2943177"/>
+            <a:ext cx="1176638" cy="238801"/>
+          </a:xfrm>
+          <a:prstGeom prst="rect">
+            <a:avLst/>
+          </a:prstGeom>
+        </p:spPr>
+      </p:pic>
+      <p:sp>
+        <p:nvSpPr>
+          <p:cNvPr id="20" name="箭头: 右 19">
+            <a:extLst>
+              <a:ext uri="{FF2B5EF4-FFF2-40B4-BE49-F238E27FC236}">
+                <a16:creationId xmlns="" xmlns:a16="http://schemas.microsoft.com/office/drawing/2014/main" id="{9B1A280B-D5A1-4D60-B849-F696BAECE230}"/>
+              </a:ext>
+            </a:extLst>
+          </p:cNvPr>
+          <p:cNvSpPr/>
+          <p:nvPr/>
+        </p:nvSpPr>
+        <p:spPr>
+          <a:xfrm>
+            <a:off x="3900745" y="2650635"/>
+            <a:ext cx="992350" cy="194769"/>
+          </a:xfrm>
+          <a:prstGeom prst="rightArrow">
+            <a:avLst/>
+          </a:prstGeom>
+          <a:solidFill>
+            <a:schemeClr val="accent3">
+              <a:lumMod val="50000"/>
+            </a:schemeClr>
+          </a:solidFill>
+          <a:ln>
+            <a:noFill/>
+          </a:ln>
+        </p:spPr>
+        <p:style>
+          <a:lnRef idx="2">
+            <a:schemeClr val="accent1">
+              <a:shade val="50000"/>
+            </a:schemeClr>
+          </a:lnRef>
+          <a:fillRef idx="1">
+            <a:schemeClr val="accent1"/>
+          </a:fillRef>
+          <a:effectRef idx="0">
+            <a:schemeClr val="accent1"/>
+          </a:effectRef>
+          <a:fontRef idx="minor">
+            <a:schemeClr val="lt1"/>
+          </a:fontRef>
+        </p:style>
+        <p:txBody>
+          <a:bodyPr rtlCol="0" anchor="ctr"/>
+          <a:lstStyle/>
+          <a:p>
+            <a:pPr algn="ctr"/>
+            <a:endParaRPr lang="zh-CN" altLang="en-US" b="1" dirty="0">
+              <a:solidFill>
+                <a:schemeClr val="tx1"/>
+              </a:solidFill>
+            </a:endParaRPr>
+          </a:p>
+        </p:txBody>
+      </p:sp>
+      <p:sp>
+        <p:nvSpPr>
+          <p:cNvPr id="33" name="箭头: 右 32">
+            <a:extLst>
+              <a:ext uri="{FF2B5EF4-FFF2-40B4-BE49-F238E27FC236}">
+                <a16:creationId xmlns="" xmlns:a16="http://schemas.microsoft.com/office/drawing/2014/main" id="{BA6EF1FD-7823-481A-8F15-7AEFB932AAB9}"/>
+              </a:ext>
+            </a:extLst>
+          </p:cNvPr>
+          <p:cNvSpPr/>
+          <p:nvPr/>
+        </p:nvSpPr>
+        <p:spPr>
+          <a:xfrm>
+            <a:off x="6915421" y="2650635"/>
+            <a:ext cx="1432475" cy="186933"/>
+          </a:xfrm>
+          <a:prstGeom prst="rightArrow">
+            <a:avLst/>
+          </a:prstGeom>
+          <a:solidFill>
+            <a:schemeClr val="accent3">
+              <a:lumMod val="50000"/>
+            </a:schemeClr>
+          </a:solidFill>
+          <a:ln>
+            <a:noFill/>
+          </a:ln>
+        </p:spPr>
+        <p:style>
+          <a:lnRef idx="2">
+            <a:schemeClr val="accent1">
+              <a:shade val="50000"/>
+            </a:schemeClr>
+          </a:lnRef>
+          <a:fillRef idx="1">
+            <a:schemeClr val="accent1"/>
+          </a:fillRef>
+          <a:effectRef idx="0">
+            <a:schemeClr val="accent1"/>
+          </a:effectRef>
+          <a:fontRef idx="minor">
+            <a:schemeClr val="lt1"/>
+          </a:fontRef>
+        </p:style>
+        <p:txBody>
+          <a:bodyPr rtlCol="0" anchor="ctr"/>
+          <a:lstStyle/>
+          <a:p>
+            <a:pPr algn="ctr"/>
+            <a:endParaRPr lang="zh-CN" altLang="en-US" b="1" dirty="0">
+              <a:solidFill>
+                <a:schemeClr val="tx1"/>
+              </a:solidFill>
+            </a:endParaRPr>
+          </a:p>
+        </p:txBody>
+      </p:sp>
+      <p:sp>
+        <p:nvSpPr>
+          <p:cNvPr id="3" name="文本框 2">
+            <a:extLst>
+              <a:ext uri="{FF2B5EF4-FFF2-40B4-BE49-F238E27FC236}">
+                <a16:creationId xmlns="" xmlns:a16="http://schemas.microsoft.com/office/drawing/2014/main" id="{CACE4282-7773-4A40-B271-474425975BA6}"/>
+              </a:ext>
+            </a:extLst>
+          </p:cNvPr>
+          <p:cNvSpPr txBox="1"/>
+          <p:nvPr/>
+        </p:nvSpPr>
+        <p:spPr>
+          <a:xfrm>
+            <a:off x="3968679" y="2392098"/>
+            <a:ext cx="837177" cy="369332"/>
+          </a:xfrm>
+          <a:prstGeom prst="rect">
+            <a:avLst/>
+          </a:prstGeom>
+          <a:noFill/>
+        </p:spPr>
+        <p:txBody>
+          <a:bodyPr wrap="square" rtlCol="0">
+            <a:spAutoFit/>
+          </a:bodyPr>
+          <a:lstStyle/>
+          <a:p>
+            <a:r>
+              <a:rPr lang="zh-CN" altLang="en-US" b="1" dirty="0" smtClean="0"/>
+              <a:t>迹</a:t>
+            </a:r>
+            <a:endParaRPr lang="zh-CN" altLang="en-US" b="1" dirty="0"/>
+          </a:p>
+        </p:txBody>
+      </p:sp>
+      <p:sp>
+        <p:nvSpPr>
+          <p:cNvPr id="34" name="文本框 33">
+            <a:extLst>
+              <a:ext uri="{FF2B5EF4-FFF2-40B4-BE49-F238E27FC236}">
+                <a16:creationId xmlns="" xmlns:a16="http://schemas.microsoft.com/office/drawing/2014/main" id="{1AEB0A3E-123E-4FE1-9B89-DA049FA3C31E}"/>
+              </a:ext>
+            </a:extLst>
+          </p:cNvPr>
+          <p:cNvSpPr txBox="1"/>
+          <p:nvPr/>
+        </p:nvSpPr>
+        <p:spPr>
+          <a:xfrm>
+            <a:off x="6902140" y="2386639"/>
+            <a:ext cx="1584890" cy="369332"/>
+          </a:xfrm>
+          <a:prstGeom prst="rect">
+            <a:avLst/>
+          </a:prstGeom>
+          <a:noFill/>
+        </p:spPr>
+        <p:txBody>
+          <a:bodyPr wrap="square" rtlCol="0">
+            <a:spAutoFit/>
+          </a:bodyPr>
+          <a:lstStyle/>
+          <a:p>
+            <a:r>
+              <a:rPr lang="zh-CN" altLang="en-US" b="1" dirty="0" smtClean="0"/>
+              <a:t>检测结果</a:t>
+            </a:r>
+            <a:endParaRPr lang="zh-CN" altLang="en-US" b="1" dirty="0"/>
+          </a:p>
+        </p:txBody>
+      </p:sp>
+    </p:spTree>
+    <p:extLst>
+      <p:ext uri="{BB962C8B-B14F-4D97-AF65-F5344CB8AC3E}">
+        <p14:creationId xmlns:p14="http://schemas.microsoft.com/office/powerpoint/2010/main" val="1679657882"/>
+      </p:ext>
+    </p:extLst>
+  </p:cSld>
+  <p:clrMapOvr>
+    <a:masterClrMapping/>
+  </p:clrMapOvr>
+</p:sld>
+</file>
+
+<file path=ppt/slides/slide7.xml><?xml version="1.0" encoding="utf-8"?>
+<p:sld xmlns:a="http://schemas.openxmlformats.org/drawingml/2006/main" xmlns:r="http://schemas.openxmlformats.org/officeDocument/2006/relationships" xmlns:p="http://schemas.openxmlformats.org/presentationml/2006/main">
+  <p:cSld>
+    <p:spTree>
+      <p:nvGrpSpPr>
+        <p:cNvPr id="1" name=""/>
+        <p:cNvGrpSpPr/>
+        <p:nvPr/>
+      </p:nvGrpSpPr>
+      <p:grpSpPr>
+        <a:xfrm>
+          <a:off x="0" y="0"/>
+          <a:ext cx="0" cy="0"/>
+          <a:chOff x="0" y="0"/>
+          <a:chExt cx="0" cy="0"/>
+        </a:xfrm>
+      </p:grpSpPr>
+      <p:sp>
+        <p:nvSpPr>
           <p:cNvPr id="2" name="圆角矩形 1"/>
           <p:cNvSpPr/>
           <p:nvPr/>
@@ -15327,7 +17570,7 @@
           <a:graphicData uri="http://schemas.openxmlformats.org/presentationml/2006/ole">
             <mc:AlternateContent xmlns:mc="http://schemas.openxmlformats.org/markup-compatibility/2006">
               <mc:Choice xmlns:v="urn:schemas-microsoft-com:vml" Requires="v">
-                <p:oleObj spid="_x0000_s1308" name="Equation" r:id="rId3" imgW="304560" imgH="241200" progId="Equation.DSMT4">
+                <p:oleObj spid="_x0000_s1490" name="Equation" r:id="rId3" imgW="304560" imgH="241200" progId="Equation.DSMT4">
                   <p:embed/>
                 </p:oleObj>
               </mc:Choice>
@@ -15388,7 +17631,7 @@
           <a:graphicData uri="http://schemas.openxmlformats.org/presentationml/2006/ole">
             <mc:AlternateContent xmlns:mc="http://schemas.openxmlformats.org/markup-compatibility/2006">
               <mc:Choice xmlns:v="urn:schemas-microsoft-com:vml" Requires="v">
-                <p:oleObj spid="_x0000_s1309" name="Equation" r:id="rId5" imgW="330120" imgH="241200" progId="Equation.DSMT4">
+                <p:oleObj spid="_x0000_s1491" name="Equation" r:id="rId5" imgW="330120" imgH="241200" progId="Equation.DSMT4">
                   <p:embed/>
                 </p:oleObj>
               </mc:Choice>
@@ -15449,7 +17692,7 @@
           <a:graphicData uri="http://schemas.openxmlformats.org/presentationml/2006/ole">
             <mc:AlternateContent xmlns:mc="http://schemas.openxmlformats.org/markup-compatibility/2006">
               <mc:Choice xmlns:v="urn:schemas-microsoft-com:vml" Requires="v">
-                <p:oleObj spid="_x0000_s1310" name="Equation" r:id="rId7" imgW="317160" imgH="241200" progId="Equation.DSMT4">
+                <p:oleObj spid="_x0000_s1492" name="Equation" r:id="rId7" imgW="317160" imgH="241200" progId="Equation.DSMT4">
                   <p:embed/>
                 </p:oleObj>
               </mc:Choice>
@@ -16111,7 +18354,7 @@
           <a:graphicData uri="http://schemas.openxmlformats.org/presentationml/2006/ole">
             <mc:AlternateContent xmlns:mc="http://schemas.openxmlformats.org/markup-compatibility/2006">
               <mc:Choice xmlns:v="urn:schemas-microsoft-com:vml" Requires="v">
-                <p:oleObj spid="_x0000_s1311" name="Equation" r:id="rId10" imgW="330120" imgH="241200" progId="Equation.DSMT4">
+                <p:oleObj spid="_x0000_s1493" name="Equation" r:id="rId10" imgW="330120" imgH="241200" progId="Equation.DSMT4">
                   <p:embed/>
                 </p:oleObj>
               </mc:Choice>
@@ -16230,6 +18473,1452 @@
     <p:extLst>
       <p:ext uri="{BB962C8B-B14F-4D97-AF65-F5344CB8AC3E}">
         <p14:creationId xmlns:p14="http://schemas.microsoft.com/office/powerpoint/2010/main" val="3711822706"/>
+      </p:ext>
+    </p:extLst>
+  </p:cSld>
+  <p:clrMapOvr>
+    <a:masterClrMapping/>
+  </p:clrMapOvr>
+</p:sld>
+</file>
+
+<file path=ppt/slides/slide8.xml><?xml version="1.0" encoding="utf-8"?>
+<p:sld xmlns:a="http://schemas.openxmlformats.org/drawingml/2006/main" xmlns:r="http://schemas.openxmlformats.org/officeDocument/2006/relationships" xmlns:p="http://schemas.openxmlformats.org/presentationml/2006/main">
+  <p:cSld>
+    <p:spTree>
+      <p:nvGrpSpPr>
+        <p:cNvPr id="1" name=""/>
+        <p:cNvGrpSpPr/>
+        <p:nvPr/>
+      </p:nvGrpSpPr>
+      <p:grpSpPr>
+        <a:xfrm>
+          <a:off x="0" y="0"/>
+          <a:ext cx="0" cy="0"/>
+          <a:chOff x="0" y="0"/>
+          <a:chExt cx="0" cy="0"/>
+        </a:xfrm>
+      </p:grpSpPr>
+      <p:sp>
+        <p:nvSpPr>
+          <p:cNvPr id="2" name="圆角矩形 1"/>
+          <p:cNvSpPr/>
+          <p:nvPr/>
+        </p:nvSpPr>
+        <p:spPr>
+          <a:xfrm>
+            <a:off x="5843826" y="4034015"/>
+            <a:ext cx="1155481" cy="690030"/>
+          </a:xfrm>
+          <a:prstGeom prst="roundRect">
+            <a:avLst/>
+          </a:prstGeom>
+          <a:solidFill>
+            <a:schemeClr val="bg2"/>
+          </a:solidFill>
+          <a:ln w="12700">
+            <a:solidFill>
+              <a:schemeClr val="tx1"/>
+            </a:solidFill>
+          </a:ln>
+        </p:spPr>
+        <p:style>
+          <a:lnRef idx="1">
+            <a:schemeClr val="accent3"/>
+          </a:lnRef>
+          <a:fillRef idx="2">
+            <a:schemeClr val="accent3"/>
+          </a:fillRef>
+          <a:effectRef idx="1">
+            <a:schemeClr val="accent3"/>
+          </a:effectRef>
+          <a:fontRef idx="minor">
+            <a:schemeClr val="dk1"/>
+          </a:fontRef>
+        </p:style>
+        <p:txBody>
+          <a:bodyPr rtlCol="0" anchor="ctr"/>
+          <a:lstStyle/>
+          <a:p>
+            <a:pPr algn="ctr"/>
+            <a:endParaRPr lang="zh-CN" altLang="en-US" sz="1100" dirty="0"/>
+          </a:p>
+        </p:txBody>
+      </p:sp>
+      <p:sp>
+        <p:nvSpPr>
+          <p:cNvPr id="32" name="圆角矩形 31"/>
+          <p:cNvSpPr/>
+          <p:nvPr/>
+        </p:nvSpPr>
+        <p:spPr>
+          <a:xfrm>
+            <a:off x="7347755" y="4030194"/>
+            <a:ext cx="1307139" cy="690031"/>
+          </a:xfrm>
+          <a:prstGeom prst="roundRect">
+            <a:avLst/>
+          </a:prstGeom>
+          <a:solidFill>
+            <a:schemeClr val="bg2"/>
+          </a:solidFill>
+          <a:ln w="12700">
+            <a:solidFill>
+              <a:schemeClr val="tx1"/>
+            </a:solidFill>
+          </a:ln>
+        </p:spPr>
+        <p:style>
+          <a:lnRef idx="1">
+            <a:schemeClr val="accent3"/>
+          </a:lnRef>
+          <a:fillRef idx="2">
+            <a:schemeClr val="accent3"/>
+          </a:fillRef>
+          <a:effectRef idx="1">
+            <a:schemeClr val="accent3"/>
+          </a:effectRef>
+          <a:fontRef idx="minor">
+            <a:schemeClr val="dk1"/>
+          </a:fontRef>
+        </p:style>
+        <p:txBody>
+          <a:bodyPr rtlCol="0" anchor="ctr"/>
+          <a:lstStyle/>
+          <a:p>
+            <a:pPr algn="ctr"/>
+            <a:endParaRPr lang="zh-CN" altLang="en-US" sz="900" dirty="0"/>
+          </a:p>
+        </p:txBody>
+      </p:sp>
+      <p:sp>
+        <p:nvSpPr>
+          <p:cNvPr id="33" name="圆角矩形 32"/>
+          <p:cNvSpPr/>
+          <p:nvPr/>
+        </p:nvSpPr>
+        <p:spPr>
+          <a:xfrm>
+            <a:off x="8397029" y="4906882"/>
+            <a:ext cx="998747" cy="594423"/>
+          </a:xfrm>
+          <a:prstGeom prst="roundRect">
+            <a:avLst/>
+          </a:prstGeom>
+          <a:solidFill>
+            <a:schemeClr val="bg2"/>
+          </a:solidFill>
+          <a:ln w="12700">
+            <a:solidFill>
+              <a:schemeClr val="tx1"/>
+            </a:solidFill>
+          </a:ln>
+        </p:spPr>
+        <p:style>
+          <a:lnRef idx="1">
+            <a:schemeClr val="accent3"/>
+          </a:lnRef>
+          <a:fillRef idx="2">
+            <a:schemeClr val="accent3"/>
+          </a:fillRef>
+          <a:effectRef idx="1">
+            <a:schemeClr val="accent3"/>
+          </a:effectRef>
+          <a:fontRef idx="minor">
+            <a:schemeClr val="dk1"/>
+          </a:fontRef>
+        </p:style>
+        <p:txBody>
+          <a:bodyPr rtlCol="0" anchor="ctr"/>
+          <a:lstStyle/>
+          <a:p>
+            <a:pPr algn="ctr"/>
+            <a:endParaRPr lang="zh-CN" altLang="en-US" sz="1400" dirty="0"/>
+          </a:p>
+        </p:txBody>
+      </p:sp>
+      <p:sp>
+        <p:nvSpPr>
+          <p:cNvPr id="34" name="圆角矩形 33"/>
+          <p:cNvSpPr/>
+          <p:nvPr/>
+        </p:nvSpPr>
+        <p:spPr>
+          <a:xfrm>
+            <a:off x="6059628" y="4921540"/>
+            <a:ext cx="1876373" cy="579765"/>
+          </a:xfrm>
+          <a:prstGeom prst="roundRect">
+            <a:avLst/>
+          </a:prstGeom>
+          <a:solidFill>
+            <a:schemeClr val="bg2"/>
+          </a:solidFill>
+          <a:ln w="12700">
+            <a:solidFill>
+              <a:schemeClr val="tx1"/>
+            </a:solidFill>
+          </a:ln>
+        </p:spPr>
+        <p:style>
+          <a:lnRef idx="1">
+            <a:schemeClr val="accent3"/>
+          </a:lnRef>
+          <a:fillRef idx="2">
+            <a:schemeClr val="accent3"/>
+          </a:fillRef>
+          <a:effectRef idx="1">
+            <a:schemeClr val="accent3"/>
+          </a:effectRef>
+          <a:fontRef idx="minor">
+            <a:schemeClr val="dk1"/>
+          </a:fontRef>
+        </p:style>
+        <p:txBody>
+          <a:bodyPr rtlCol="0" anchor="ctr"/>
+          <a:lstStyle/>
+          <a:p>
+            <a:pPr algn="ctr"/>
+            <a:endParaRPr lang="zh-CN" altLang="en-US" sz="1400" dirty="0"/>
+          </a:p>
+        </p:txBody>
+      </p:sp>
+      <p:sp>
+        <p:nvSpPr>
+          <p:cNvPr id="5" name="右箭头 4"/>
+          <p:cNvSpPr/>
+          <p:nvPr/>
+        </p:nvSpPr>
+        <p:spPr>
+          <a:xfrm rot="5400000">
+            <a:off x="6542575" y="3667583"/>
+            <a:ext cx="419804" cy="290033"/>
+          </a:xfrm>
+          <a:prstGeom prst="rightArrow">
+            <a:avLst/>
+          </a:prstGeom>
+          <a:solidFill>
+            <a:schemeClr val="bg1"/>
+          </a:solidFill>
+          <a:ln w="9525">
+            <a:solidFill>
+              <a:srgbClr val="003300"/>
+            </a:solidFill>
+          </a:ln>
+        </p:spPr>
+        <p:style>
+          <a:lnRef idx="2">
+            <a:schemeClr val="accent1">
+              <a:shade val="50000"/>
+            </a:schemeClr>
+          </a:lnRef>
+          <a:fillRef idx="1">
+            <a:schemeClr val="accent1"/>
+          </a:fillRef>
+          <a:effectRef idx="0">
+            <a:schemeClr val="accent1"/>
+          </a:effectRef>
+          <a:fontRef idx="minor">
+            <a:schemeClr val="lt1"/>
+          </a:fontRef>
+        </p:style>
+        <p:txBody>
+          <a:bodyPr rtlCol="0" anchor="ctr"/>
+          <a:lstStyle/>
+          <a:p>
+            <a:pPr algn="ctr"/>
+            <a:endParaRPr lang="zh-CN" altLang="en-US"/>
+          </a:p>
+        </p:txBody>
+      </p:sp>
+      <p:sp>
+        <p:nvSpPr>
+          <p:cNvPr id="37" name="右箭头 36"/>
+          <p:cNvSpPr/>
+          <p:nvPr/>
+        </p:nvSpPr>
+        <p:spPr>
+          <a:xfrm>
+            <a:off x="6998395" y="4246597"/>
+            <a:ext cx="357187" cy="228600"/>
+          </a:xfrm>
+          <a:prstGeom prst="rightArrow">
+            <a:avLst/>
+          </a:prstGeom>
+          <a:solidFill>
+            <a:schemeClr val="bg1"/>
+          </a:solidFill>
+          <a:ln w="9525">
+            <a:solidFill>
+              <a:srgbClr val="003300"/>
+            </a:solidFill>
+          </a:ln>
+        </p:spPr>
+        <p:style>
+          <a:lnRef idx="2">
+            <a:schemeClr val="accent1">
+              <a:shade val="50000"/>
+            </a:schemeClr>
+          </a:lnRef>
+          <a:fillRef idx="1">
+            <a:schemeClr val="accent1"/>
+          </a:fillRef>
+          <a:effectRef idx="0">
+            <a:schemeClr val="accent1"/>
+          </a:effectRef>
+          <a:fontRef idx="minor">
+            <a:schemeClr val="lt1"/>
+          </a:fontRef>
+        </p:style>
+        <p:txBody>
+          <a:bodyPr rtlCol="0" anchor="ctr"/>
+          <a:lstStyle/>
+          <a:p>
+            <a:pPr algn="ctr"/>
+            <a:endParaRPr lang="zh-CN" altLang="en-US"/>
+          </a:p>
+        </p:txBody>
+      </p:sp>
+      <p:sp>
+        <p:nvSpPr>
+          <p:cNvPr id="38" name="右箭头 37"/>
+          <p:cNvSpPr/>
+          <p:nvPr/>
+        </p:nvSpPr>
+        <p:spPr>
+          <a:xfrm rot="10800000">
+            <a:off x="7946714" y="5098728"/>
+            <a:ext cx="443409" cy="228600"/>
+          </a:xfrm>
+          <a:prstGeom prst="rightArrow">
+            <a:avLst/>
+          </a:prstGeom>
+          <a:solidFill>
+            <a:schemeClr val="bg1"/>
+          </a:solidFill>
+          <a:ln w="9525">
+            <a:solidFill>
+              <a:srgbClr val="003300"/>
+            </a:solidFill>
+          </a:ln>
+        </p:spPr>
+        <p:style>
+          <a:lnRef idx="2">
+            <a:schemeClr val="accent1">
+              <a:shade val="50000"/>
+            </a:schemeClr>
+          </a:lnRef>
+          <a:fillRef idx="1">
+            <a:schemeClr val="accent1"/>
+          </a:fillRef>
+          <a:effectRef idx="0">
+            <a:schemeClr val="accent1"/>
+          </a:effectRef>
+          <a:fontRef idx="minor">
+            <a:schemeClr val="lt1"/>
+          </a:fontRef>
+        </p:style>
+        <p:txBody>
+          <a:bodyPr rtlCol="0" anchor="ctr"/>
+          <a:lstStyle/>
+          <a:p>
+            <a:pPr algn="ctr"/>
+            <a:endParaRPr lang="zh-CN" altLang="en-US"/>
+          </a:p>
+        </p:txBody>
+      </p:sp>
+      <p:sp>
+        <p:nvSpPr>
+          <p:cNvPr id="40" name="圆角右箭头 39"/>
+          <p:cNvSpPr/>
+          <p:nvPr/>
+        </p:nvSpPr>
+        <p:spPr>
+          <a:xfrm rot="5400000">
+            <a:off x="8518048" y="4439505"/>
+            <a:ext cx="599263" cy="335491"/>
+          </a:xfrm>
+          <a:prstGeom prst="bentArrow">
+            <a:avLst>
+              <a:gd name="adj1" fmla="val 34363"/>
+              <a:gd name="adj2" fmla="val 33918"/>
+              <a:gd name="adj3" fmla="val 25000"/>
+              <a:gd name="adj4" fmla="val 43750"/>
+            </a:avLst>
+          </a:prstGeom>
+          <a:solidFill>
+            <a:schemeClr val="bg1"/>
+          </a:solidFill>
+          <a:ln w="9525">
+            <a:solidFill>
+              <a:schemeClr val="tx1"/>
+            </a:solidFill>
+            <a:prstDash val="solid"/>
+          </a:ln>
+        </p:spPr>
+        <p:style>
+          <a:lnRef idx="2">
+            <a:schemeClr val="accent1">
+              <a:shade val="50000"/>
+            </a:schemeClr>
+          </a:lnRef>
+          <a:fillRef idx="1">
+            <a:schemeClr val="accent1"/>
+          </a:fillRef>
+          <a:effectRef idx="0">
+            <a:schemeClr val="accent1"/>
+          </a:effectRef>
+          <a:fontRef idx="minor">
+            <a:schemeClr val="lt1"/>
+          </a:fontRef>
+        </p:style>
+        <p:txBody>
+          <a:bodyPr rtlCol="0" anchor="ctr"/>
+          <a:lstStyle/>
+          <a:p>
+            <a:pPr algn="ctr"/>
+            <a:endParaRPr lang="zh-CN" altLang="en-US">
+              <a:solidFill>
+                <a:schemeClr val="tx1"/>
+              </a:solidFill>
+            </a:endParaRPr>
+          </a:p>
+        </p:txBody>
+      </p:sp>
+      <p:sp>
+        <p:nvSpPr>
+          <p:cNvPr id="49" name="右箭头 48"/>
+          <p:cNvSpPr/>
+          <p:nvPr/>
+        </p:nvSpPr>
+        <p:spPr>
+          <a:xfrm rot="10800000">
+            <a:off x="5542501" y="5141223"/>
+            <a:ext cx="506413" cy="210012"/>
+          </a:xfrm>
+          <a:prstGeom prst="rightArrow">
+            <a:avLst>
+              <a:gd name="adj1" fmla="val 44444"/>
+              <a:gd name="adj2" fmla="val 50000"/>
+            </a:avLst>
+          </a:prstGeom>
+          <a:solidFill>
+            <a:schemeClr val="bg1"/>
+          </a:solidFill>
+          <a:ln w="9525">
+            <a:solidFill>
+              <a:srgbClr val="003300"/>
+            </a:solidFill>
+          </a:ln>
+        </p:spPr>
+        <p:style>
+          <a:lnRef idx="2">
+            <a:schemeClr val="accent1">
+              <a:shade val="50000"/>
+            </a:schemeClr>
+          </a:lnRef>
+          <a:fillRef idx="1">
+            <a:schemeClr val="accent1"/>
+          </a:fillRef>
+          <a:effectRef idx="0">
+            <a:schemeClr val="accent1"/>
+          </a:effectRef>
+          <a:fontRef idx="minor">
+            <a:schemeClr val="lt1"/>
+          </a:fontRef>
+        </p:style>
+        <p:txBody>
+          <a:bodyPr rtlCol="0" anchor="ctr"/>
+          <a:lstStyle/>
+          <a:p>
+            <a:pPr algn="ctr"/>
+            <a:endParaRPr lang="zh-CN" altLang="en-US"/>
+          </a:p>
+        </p:txBody>
+      </p:sp>
+      <p:graphicFrame>
+        <p:nvGraphicFramePr>
+          <p:cNvPr id="65" name="对象 64"/>
+          <p:cNvGraphicFramePr>
+            <a:graphicFrameLocks noChangeAspect="1"/>
+          </p:cNvGraphicFramePr>
+          <p:nvPr>
+            <p:extLst/>
+          </p:nvPr>
+        </p:nvGraphicFramePr>
+        <p:xfrm>
+          <a:off x="7003802" y="4037731"/>
+          <a:ext cx="273563" cy="236538"/>
+        </p:xfrm>
+        <a:graphic>
+          <a:graphicData uri="http://schemas.openxmlformats.org/presentationml/2006/ole">
+            <mc:AlternateContent xmlns:mc="http://schemas.openxmlformats.org/markup-compatibility/2006">
+              <mc:Choice xmlns:v="urn:schemas-microsoft-com:vml" Requires="v">
+                <p:oleObj spid="_x0000_s2141" name="Equation" r:id="rId3" imgW="304560" imgH="241200" progId="Equation.DSMT4">
+                  <p:embed/>
+                </p:oleObj>
+              </mc:Choice>
+              <mc:Fallback>
+                <p:oleObj name="Equation" r:id="rId3" imgW="304560" imgH="241200" progId="Equation.DSMT4">
+                  <p:embed/>
+                  <p:pic>
+                    <p:nvPicPr>
+                      <p:cNvPr id="0" name=""/>
+                      <p:cNvPicPr>
+                        <a:picLocks noChangeAspect="1" noChangeArrowheads="1"/>
+                      </p:cNvPicPr>
+                      <p:nvPr/>
+                    </p:nvPicPr>
+                    <p:blipFill>
+                      <a:blip r:embed="rId4"/>
+                      <a:srcRect/>
+                      <a:stretch>
+                        <a:fillRect/>
+                      </a:stretch>
+                    </p:blipFill>
+                    <p:spPr bwMode="auto">
+                      <a:xfrm>
+                        <a:off x="7003802" y="4037731"/>
+                        <a:ext cx="273563" cy="236538"/>
+                      </a:xfrm>
+                      <a:prstGeom prst="rect">
+                        <a:avLst/>
+                      </a:prstGeom>
+                      <a:noFill/>
+                      <a:ln>
+                        <a:noFill/>
+                      </a:ln>
+                      <a:extLst/>
+                    </p:spPr>
+                  </p:pic>
+                </p:oleObj>
+              </mc:Fallback>
+            </mc:AlternateContent>
+          </a:graphicData>
+        </a:graphic>
+      </p:graphicFrame>
+      <p:graphicFrame>
+        <p:nvGraphicFramePr>
+          <p:cNvPr id="66" name="对象 65"/>
+          <p:cNvGraphicFramePr>
+            <a:graphicFrameLocks noChangeAspect="1"/>
+          </p:cNvGraphicFramePr>
+          <p:nvPr>
+            <p:extLst/>
+          </p:nvPr>
+        </p:nvGraphicFramePr>
+        <p:xfrm>
+          <a:off x="8930454" y="4461780"/>
+          <a:ext cx="298246" cy="236539"/>
+        </p:xfrm>
+        <a:graphic>
+          <a:graphicData uri="http://schemas.openxmlformats.org/presentationml/2006/ole">
+            <mc:AlternateContent xmlns:mc="http://schemas.openxmlformats.org/markup-compatibility/2006">
+              <mc:Choice xmlns:v="urn:schemas-microsoft-com:vml" Requires="v">
+                <p:oleObj spid="_x0000_s2142" name="Equation" r:id="rId5" imgW="330120" imgH="241200" progId="Equation.DSMT4">
+                  <p:embed/>
+                </p:oleObj>
+              </mc:Choice>
+              <mc:Fallback>
+                <p:oleObj name="Equation" r:id="rId5" imgW="330120" imgH="241200" progId="Equation.DSMT4">
+                  <p:embed/>
+                  <p:pic>
+                    <p:nvPicPr>
+                      <p:cNvPr id="0" name=""/>
+                      <p:cNvPicPr>
+                        <a:picLocks noChangeAspect="1" noChangeArrowheads="1"/>
+                      </p:cNvPicPr>
+                      <p:nvPr/>
+                    </p:nvPicPr>
+                    <p:blipFill>
+                      <a:blip r:embed="rId6"/>
+                      <a:srcRect/>
+                      <a:stretch>
+                        <a:fillRect/>
+                      </a:stretch>
+                    </p:blipFill>
+                    <p:spPr bwMode="auto">
+                      <a:xfrm>
+                        <a:off x="8930454" y="4461780"/>
+                        <a:ext cx="298246" cy="236539"/>
+                      </a:xfrm>
+                      <a:prstGeom prst="rect">
+                        <a:avLst/>
+                      </a:prstGeom>
+                      <a:noFill/>
+                      <a:ln>
+                        <a:noFill/>
+                      </a:ln>
+                      <a:extLst/>
+                    </p:spPr>
+                  </p:pic>
+                </p:oleObj>
+              </mc:Fallback>
+            </mc:AlternateContent>
+          </a:graphicData>
+        </a:graphic>
+      </p:graphicFrame>
+      <p:graphicFrame>
+        <p:nvGraphicFramePr>
+          <p:cNvPr id="67" name="对象 66"/>
+          <p:cNvGraphicFramePr>
+            <a:graphicFrameLocks noChangeAspect="1"/>
+          </p:cNvGraphicFramePr>
+          <p:nvPr>
+            <p:extLst>
+              <p:ext uri="{D42A27DB-BD31-4B8C-83A1-F6EECF244321}">
+                <p14:modId xmlns:p14="http://schemas.microsoft.com/office/powerpoint/2010/main" val="1059542717"/>
+              </p:ext>
+            </p:extLst>
+          </p:nvPr>
+        </p:nvGraphicFramePr>
+        <p:xfrm>
+          <a:off x="8037574" y="4933366"/>
+          <a:ext cx="287961" cy="236539"/>
+        </p:xfrm>
+        <a:graphic>
+          <a:graphicData uri="http://schemas.openxmlformats.org/presentationml/2006/ole">
+            <mc:AlternateContent xmlns:mc="http://schemas.openxmlformats.org/markup-compatibility/2006">
+              <mc:Choice xmlns:v="urn:schemas-microsoft-com:vml" Requires="v">
+                <p:oleObj spid="_x0000_s2143" name="Equation" r:id="rId7" imgW="317160" imgH="241200" progId="Equation.DSMT4">
+                  <p:embed/>
+                </p:oleObj>
+              </mc:Choice>
+              <mc:Fallback>
+                <p:oleObj name="Equation" r:id="rId7" imgW="317160" imgH="241200" progId="Equation.DSMT4">
+                  <p:embed/>
+                  <p:pic>
+                    <p:nvPicPr>
+                      <p:cNvPr id="0" name=""/>
+                      <p:cNvPicPr>
+                        <a:picLocks noChangeAspect="1" noChangeArrowheads="1"/>
+                      </p:cNvPicPr>
+                      <p:nvPr/>
+                    </p:nvPicPr>
+                    <p:blipFill>
+                      <a:blip r:embed="rId8"/>
+                      <a:srcRect/>
+                      <a:stretch>
+                        <a:fillRect/>
+                      </a:stretch>
+                    </p:blipFill>
+                    <p:spPr bwMode="auto">
+                      <a:xfrm>
+                        <a:off x="8037574" y="4933366"/>
+                        <a:ext cx="287961" cy="236539"/>
+                      </a:xfrm>
+                      <a:prstGeom prst="rect">
+                        <a:avLst/>
+                      </a:prstGeom>
+                      <a:noFill/>
+                      <a:ln>
+                        <a:noFill/>
+                      </a:ln>
+                      <a:extLst/>
+                    </p:spPr>
+                  </p:pic>
+                </p:oleObj>
+              </mc:Fallback>
+            </mc:AlternateContent>
+          </a:graphicData>
+        </a:graphic>
+      </p:graphicFrame>
+      <p:sp>
+        <p:nvSpPr>
+          <p:cNvPr id="4" name="文本框 3"/>
+          <p:cNvSpPr txBox="1"/>
+          <p:nvPr/>
+        </p:nvSpPr>
+        <p:spPr>
+          <a:xfrm>
+            <a:off x="5758302" y="4236234"/>
+            <a:ext cx="1320982" cy="276999"/>
+          </a:xfrm>
+          <a:prstGeom prst="rect">
+            <a:avLst/>
+          </a:prstGeom>
+          <a:noFill/>
+        </p:spPr>
+        <p:txBody>
+          <a:bodyPr wrap="square" rtlCol="0">
+            <a:spAutoFit/>
+          </a:bodyPr>
+          <a:lstStyle/>
+          <a:p>
+            <a:pPr algn="ctr"/>
+            <a:r>
+              <a:rPr lang="zh-CN" altLang="en-US" sz="1200" dirty="0" smtClean="0"/>
+              <a:t>基于属性的投影</a:t>
+            </a:r>
+            <a:endParaRPr lang="en-US" altLang="zh-CN" sz="1200" dirty="0"/>
+          </a:p>
+        </p:txBody>
+      </p:sp>
+      <p:sp>
+        <p:nvSpPr>
+          <p:cNvPr id="24" name="文本框 23"/>
+          <p:cNvSpPr txBox="1"/>
+          <p:nvPr/>
+        </p:nvSpPr>
+        <p:spPr>
+          <a:xfrm>
+            <a:off x="8465785" y="4969480"/>
+            <a:ext cx="868397" cy="461665"/>
+          </a:xfrm>
+          <a:prstGeom prst="rect">
+            <a:avLst/>
+          </a:prstGeom>
+          <a:noFill/>
+        </p:spPr>
+        <p:txBody>
+          <a:bodyPr wrap="square" rtlCol="0">
+            <a:spAutoFit/>
+          </a:bodyPr>
+          <a:lstStyle/>
+          <a:p>
+            <a:pPr algn="ctr"/>
+            <a:r>
+              <a:rPr lang="zh-CN" altLang="en-US" sz="1200" dirty="0"/>
+              <a:t>关键状态提取</a:t>
+            </a:r>
+            <a:endParaRPr lang="zh-CN" altLang="en-US" sz="1200" dirty="0"/>
+          </a:p>
+        </p:txBody>
+      </p:sp>
+      <p:sp>
+        <p:nvSpPr>
+          <p:cNvPr id="25" name="文本框 24"/>
+          <p:cNvSpPr txBox="1"/>
+          <p:nvPr/>
+        </p:nvSpPr>
+        <p:spPr>
+          <a:xfrm>
+            <a:off x="7331693" y="4144376"/>
+            <a:ext cx="1339262" cy="461665"/>
+          </a:xfrm>
+          <a:prstGeom prst="rect">
+            <a:avLst/>
+          </a:prstGeom>
+          <a:noFill/>
+        </p:spPr>
+        <p:txBody>
+          <a:bodyPr wrap="square" rtlCol="0">
+            <a:spAutoFit/>
+          </a:bodyPr>
+          <a:lstStyle/>
+          <a:p>
+            <a:pPr algn="ctr"/>
+            <a:r>
+              <a:rPr lang="zh-CN" altLang="en-US" sz="1200" dirty="0"/>
+              <a:t>基于主成分分析算法的</a:t>
+            </a:r>
+            <a:r>
+              <a:rPr lang="zh-CN" altLang="en-US" sz="1200" dirty="0" smtClean="0"/>
+              <a:t>降维</a:t>
+            </a:r>
+            <a:endParaRPr lang="zh-CN" altLang="en-US" sz="1200" dirty="0"/>
+          </a:p>
+        </p:txBody>
+      </p:sp>
+      <p:sp>
+        <p:nvSpPr>
+          <p:cNvPr id="27" name="文本框 26"/>
+          <p:cNvSpPr txBox="1"/>
+          <p:nvPr/>
+        </p:nvSpPr>
+        <p:spPr>
+          <a:xfrm>
+            <a:off x="5962241" y="5101318"/>
+            <a:ext cx="2102885" cy="276999"/>
+          </a:xfrm>
+          <a:prstGeom prst="rect">
+            <a:avLst/>
+          </a:prstGeom>
+          <a:noFill/>
+        </p:spPr>
+        <p:txBody>
+          <a:bodyPr wrap="square" rtlCol="0">
+            <a:spAutoFit/>
+          </a:bodyPr>
+          <a:lstStyle/>
+          <a:p>
+            <a:pPr algn="ctr"/>
+            <a:r>
+              <a:rPr lang="zh-CN" altLang="en-US" sz="1200" dirty="0"/>
+              <a:t>前缀频率树的构建和约减</a:t>
+            </a:r>
+            <a:endParaRPr lang="en-US" altLang="zh-CN" sz="1200" dirty="0"/>
+          </a:p>
+        </p:txBody>
+      </p:sp>
+      <p:sp>
+        <p:nvSpPr>
+          <p:cNvPr id="11" name="文本框 10"/>
+          <p:cNvSpPr txBox="1"/>
+          <p:nvPr/>
+        </p:nvSpPr>
+        <p:spPr>
+          <a:xfrm>
+            <a:off x="8420063" y="5582606"/>
+            <a:ext cx="1492999" cy="276999"/>
+          </a:xfrm>
+          <a:prstGeom prst="rect">
+            <a:avLst/>
+          </a:prstGeom>
+          <a:noFill/>
+        </p:spPr>
+        <p:txBody>
+          <a:bodyPr wrap="square" rtlCol="0">
+            <a:spAutoFit/>
+          </a:bodyPr>
+          <a:lstStyle/>
+          <a:p>
+            <a:pPr algn="ctr"/>
+            <a:r>
+              <a:rPr lang="zh-CN" altLang="en-US" sz="1200" b="1" dirty="0" smtClean="0"/>
+              <a:t>抽象过程</a:t>
+            </a:r>
+            <a:endParaRPr lang="zh-CN" altLang="en-US" sz="1200" b="1" dirty="0"/>
+          </a:p>
+        </p:txBody>
+      </p:sp>
+      <p:sp>
+        <p:nvSpPr>
+          <p:cNvPr id="16" name="文本框 15"/>
+          <p:cNvSpPr txBox="1"/>
+          <p:nvPr/>
+        </p:nvSpPr>
+        <p:spPr>
+          <a:xfrm>
+            <a:off x="6791717" y="3613627"/>
+            <a:ext cx="812804" cy="246221"/>
+          </a:xfrm>
+          <a:prstGeom prst="rect">
+            <a:avLst/>
+          </a:prstGeom>
+          <a:noFill/>
+        </p:spPr>
+        <p:txBody>
+          <a:bodyPr wrap="square" rtlCol="0">
+            <a:spAutoFit/>
+          </a:bodyPr>
+          <a:lstStyle/>
+          <a:p>
+            <a:r>
+              <a:rPr lang="zh-CN" altLang="en-US" sz="1000" dirty="0" smtClean="0"/>
+              <a:t>验证属性</a:t>
+            </a:r>
+            <a:endParaRPr lang="zh-CN" altLang="en-US" sz="1000" dirty="0"/>
+          </a:p>
+        </p:txBody>
+      </p:sp>
+      <p:sp>
+        <p:nvSpPr>
+          <p:cNvPr id="21" name="文本框 20"/>
+          <p:cNvSpPr txBox="1"/>
+          <p:nvPr/>
+        </p:nvSpPr>
+        <p:spPr>
+          <a:xfrm>
+            <a:off x="6143201" y="3602697"/>
+            <a:ext cx="560374" cy="246221"/>
+          </a:xfrm>
+          <a:prstGeom prst="rect">
+            <a:avLst/>
+          </a:prstGeom>
+          <a:noFill/>
+        </p:spPr>
+        <p:txBody>
+          <a:bodyPr wrap="square" rtlCol="0">
+            <a:spAutoFit/>
+          </a:bodyPr>
+          <a:lstStyle/>
+          <a:p>
+            <a:r>
+              <a:rPr lang="zh-CN" altLang="en-US" sz="1000" dirty="0" smtClean="0"/>
+              <a:t>迹</a:t>
+            </a:r>
+            <a:endParaRPr lang="zh-CN" altLang="en-US" sz="1000" dirty="0"/>
+          </a:p>
+        </p:txBody>
+      </p:sp>
+      <p:sp>
+        <p:nvSpPr>
+          <p:cNvPr id="45" name="圆角矩形 44"/>
+          <p:cNvSpPr/>
+          <p:nvPr/>
+        </p:nvSpPr>
+        <p:spPr>
+          <a:xfrm>
+            <a:off x="4305228" y="4334561"/>
+            <a:ext cx="1224394" cy="1468088"/>
+          </a:xfrm>
+          <a:prstGeom prst="roundRect">
+            <a:avLst/>
+          </a:prstGeom>
+          <a:solidFill>
+            <a:schemeClr val="bg2"/>
+          </a:solidFill>
+          <a:ln w="12700">
+            <a:solidFill>
+              <a:schemeClr val="tx1"/>
+            </a:solidFill>
+          </a:ln>
+        </p:spPr>
+        <p:style>
+          <a:lnRef idx="1">
+            <a:schemeClr val="accent3"/>
+          </a:lnRef>
+          <a:fillRef idx="2">
+            <a:schemeClr val="accent3"/>
+          </a:fillRef>
+          <a:effectRef idx="1">
+            <a:schemeClr val="accent3"/>
+          </a:effectRef>
+          <a:fontRef idx="minor">
+            <a:schemeClr val="dk1"/>
+          </a:fontRef>
+        </p:style>
+        <p:txBody>
+          <a:bodyPr rtlCol="0" anchor="ctr"/>
+          <a:lstStyle/>
+          <a:p>
+            <a:pPr algn="ctr"/>
+            <a:endParaRPr lang="zh-CN" altLang="en-US" sz="1400" dirty="0"/>
+          </a:p>
+        </p:txBody>
+      </p:sp>
+      <p:sp>
+        <p:nvSpPr>
+          <p:cNvPr id="46" name="TextBox 2"/>
+          <p:cNvSpPr txBox="1"/>
+          <p:nvPr/>
+        </p:nvSpPr>
+        <p:spPr>
+          <a:xfrm>
+            <a:off x="4284767" y="4392122"/>
+            <a:ext cx="1316492" cy="400110"/>
+          </a:xfrm>
+          <a:prstGeom prst="rect">
+            <a:avLst/>
+          </a:prstGeom>
+          <a:noFill/>
+        </p:spPr>
+        <p:txBody>
+          <a:bodyPr wrap="square" rtlCol="0">
+            <a:spAutoFit/>
+          </a:bodyPr>
+          <a:lstStyle/>
+          <a:p>
+            <a:pPr algn="ctr"/>
+            <a:r>
+              <a:rPr lang="zh-CN" altLang="en-US" sz="1000" dirty="0"/>
+              <a:t>基于多</a:t>
+            </a:r>
+            <a:r>
+              <a:rPr lang="zh-CN" altLang="en-US" sz="1000" dirty="0" smtClean="0"/>
+              <a:t>个</a:t>
+            </a:r>
+            <a:r>
+              <a:rPr lang="en-US" altLang="zh-CN" sz="1000" dirty="0" smtClean="0"/>
+              <a:t>BIE</a:t>
+            </a:r>
+            <a:r>
+              <a:rPr lang="zh-CN" altLang="en-US" sz="1000" dirty="0" smtClean="0"/>
+              <a:t>的</a:t>
+            </a:r>
+            <a:r>
+              <a:rPr lang="zh-CN" altLang="en-US" sz="1000" dirty="0"/>
+              <a:t>评估分析</a:t>
+            </a:r>
+            <a:endParaRPr lang="zh-CN" altLang="en-US" sz="1000" dirty="0"/>
+          </a:p>
+        </p:txBody>
+      </p:sp>
+      <p:sp>
+        <p:nvSpPr>
+          <p:cNvPr id="47" name="圆角矩形 46"/>
+          <p:cNvSpPr/>
+          <p:nvPr/>
+        </p:nvSpPr>
+        <p:spPr>
+          <a:xfrm>
+            <a:off x="4338640" y="4829783"/>
+            <a:ext cx="1155130" cy="247853"/>
+          </a:xfrm>
+          <a:prstGeom prst="roundRect">
+            <a:avLst/>
+          </a:prstGeom>
+          <a:solidFill>
+            <a:schemeClr val="bg2"/>
+          </a:solidFill>
+          <a:ln w="12700">
+            <a:solidFill>
+              <a:schemeClr val="tx1"/>
+            </a:solidFill>
+            <a:prstDash val="solid"/>
+          </a:ln>
+        </p:spPr>
+        <p:style>
+          <a:lnRef idx="1">
+            <a:schemeClr val="accent3"/>
+          </a:lnRef>
+          <a:fillRef idx="2">
+            <a:schemeClr val="accent3"/>
+          </a:fillRef>
+          <a:effectRef idx="1">
+            <a:schemeClr val="accent3"/>
+          </a:effectRef>
+          <a:fontRef idx="minor">
+            <a:schemeClr val="dk1"/>
+          </a:fontRef>
+        </p:style>
+        <p:txBody>
+          <a:bodyPr rtlCol="0" anchor="t"/>
+          <a:lstStyle/>
+          <a:p>
+            <a:pPr algn="ctr"/>
+            <a:r>
+              <a:rPr lang="en-US" altLang="zh-CN" sz="1100" dirty="0" smtClean="0"/>
+              <a:t>BIE</a:t>
+            </a:r>
+            <a:r>
+              <a:rPr lang="zh-CN" altLang="en-US" sz="1100" dirty="0" smtClean="0"/>
+              <a:t>分析器</a:t>
+            </a:r>
+            <a:r>
+              <a:rPr lang="en-US" altLang="zh-CN" sz="1100" dirty="0" smtClean="0"/>
+              <a:t> </a:t>
+            </a:r>
+            <a:r>
+              <a:rPr lang="en-US" altLang="zh-CN" sz="1100" dirty="0"/>
+              <a:t>1</a:t>
+            </a:r>
+            <a:endParaRPr lang="zh-CN" altLang="en-US" sz="1100" dirty="0"/>
+          </a:p>
+        </p:txBody>
+      </p:sp>
+      <p:sp>
+        <p:nvSpPr>
+          <p:cNvPr id="54" name="TextBox 17"/>
+          <p:cNvSpPr txBox="1"/>
+          <p:nvPr/>
+        </p:nvSpPr>
+        <p:spPr>
+          <a:xfrm>
+            <a:off x="4744745" y="5083111"/>
+            <a:ext cx="461665" cy="251031"/>
+          </a:xfrm>
+          <a:prstGeom prst="rect">
+            <a:avLst/>
+          </a:prstGeom>
+          <a:noFill/>
+        </p:spPr>
+        <p:txBody>
+          <a:bodyPr vert="eaVert" wrap="none" rtlCol="0">
+            <a:spAutoFit/>
+          </a:bodyPr>
+          <a:lstStyle/>
+          <a:p>
+            <a:r>
+              <a:rPr lang="en-US" altLang="zh-CN" dirty="0"/>
+              <a:t>…</a:t>
+            </a:r>
+            <a:endParaRPr lang="zh-CN" altLang="en-US" dirty="0"/>
+          </a:p>
+        </p:txBody>
+      </p:sp>
+      <p:sp>
+        <p:nvSpPr>
+          <p:cNvPr id="55" name="圆角矩形 54"/>
+          <p:cNvSpPr/>
+          <p:nvPr/>
+        </p:nvSpPr>
+        <p:spPr>
+          <a:xfrm>
+            <a:off x="4346083" y="5340822"/>
+            <a:ext cx="1155130" cy="247853"/>
+          </a:xfrm>
+          <a:prstGeom prst="roundRect">
+            <a:avLst/>
+          </a:prstGeom>
+          <a:solidFill>
+            <a:schemeClr val="bg2"/>
+          </a:solidFill>
+          <a:ln w="12700">
+            <a:solidFill>
+              <a:schemeClr val="tx1"/>
+            </a:solidFill>
+            <a:prstDash val="solid"/>
+          </a:ln>
+        </p:spPr>
+        <p:style>
+          <a:lnRef idx="1">
+            <a:schemeClr val="accent3"/>
+          </a:lnRef>
+          <a:fillRef idx="2">
+            <a:schemeClr val="accent3"/>
+          </a:fillRef>
+          <a:effectRef idx="1">
+            <a:schemeClr val="accent3"/>
+          </a:effectRef>
+          <a:fontRef idx="minor">
+            <a:schemeClr val="dk1"/>
+          </a:fontRef>
+        </p:style>
+        <p:txBody>
+          <a:bodyPr rtlCol="0" anchor="t"/>
+          <a:lstStyle/>
+          <a:p>
+            <a:pPr algn="ctr"/>
+            <a:r>
+              <a:rPr lang="en-US" altLang="zh-CN" sz="1100" dirty="0" smtClean="0"/>
+              <a:t>BIE</a:t>
+            </a:r>
+            <a:r>
+              <a:rPr lang="zh-CN" altLang="en-US" sz="1100" dirty="0" smtClean="0"/>
+              <a:t>分析器</a:t>
+            </a:r>
+            <a:r>
+              <a:rPr lang="en-US" altLang="zh-CN" sz="1100" dirty="0" smtClean="0"/>
+              <a:t> </a:t>
+            </a:r>
+            <a:r>
+              <a:rPr lang="en-US" altLang="zh-CN" sz="1100" dirty="0"/>
+              <a:t>m</a:t>
+            </a:r>
+          </a:p>
+        </p:txBody>
+      </p:sp>
+      <p:sp>
+        <p:nvSpPr>
+          <p:cNvPr id="57" name="矩形 56"/>
+          <p:cNvSpPr/>
+          <p:nvPr/>
+        </p:nvSpPr>
+        <p:spPr>
+          <a:xfrm>
+            <a:off x="4192754" y="3552994"/>
+            <a:ext cx="5438120" cy="2324725"/>
+          </a:xfrm>
+          <a:prstGeom prst="rect">
+            <a:avLst/>
+          </a:prstGeom>
+          <a:noFill/>
+          <a:ln>
+            <a:solidFill>
+              <a:schemeClr val="tx1"/>
+            </a:solidFill>
+            <a:prstDash val="solid"/>
+          </a:ln>
+        </p:spPr>
+        <p:style>
+          <a:lnRef idx="2">
+            <a:schemeClr val="accent1">
+              <a:shade val="50000"/>
+            </a:schemeClr>
+          </a:lnRef>
+          <a:fillRef idx="1">
+            <a:schemeClr val="accent1"/>
+          </a:fillRef>
+          <a:effectRef idx="0">
+            <a:schemeClr val="accent1"/>
+          </a:effectRef>
+          <a:fontRef idx="minor">
+            <a:schemeClr val="lt1"/>
+          </a:fontRef>
+        </p:style>
+        <p:txBody>
+          <a:bodyPr rtlCol="0" anchor="ctr"/>
+          <a:lstStyle/>
+          <a:p>
+            <a:pPr algn="ctr"/>
+            <a:endParaRPr lang="zh-CN" altLang="en-US"/>
+          </a:p>
+        </p:txBody>
+      </p:sp>
+      <p:sp>
+        <p:nvSpPr>
+          <p:cNvPr id="6" name="文本框 5"/>
+          <p:cNvSpPr txBox="1"/>
+          <p:nvPr/>
+        </p:nvSpPr>
+        <p:spPr>
+          <a:xfrm>
+            <a:off x="7969334" y="3561208"/>
+            <a:ext cx="1657556" cy="261610"/>
+          </a:xfrm>
+          <a:prstGeom prst="rect">
+            <a:avLst/>
+          </a:prstGeom>
+          <a:solidFill>
+            <a:schemeClr val="bg2"/>
+          </a:solidFill>
+        </p:spPr>
+        <p:txBody>
+          <a:bodyPr wrap="square" rtlCol="0">
+            <a:spAutoFit/>
+          </a:bodyPr>
+          <a:lstStyle/>
+          <a:p>
+            <a:pPr algn="ctr"/>
+            <a:r>
+              <a:rPr lang="zh-CN" altLang="en-US" sz="1100" b="1" dirty="0" smtClean="0"/>
+              <a:t>基于抽象和学习的</a:t>
+            </a:r>
+            <a:r>
+              <a:rPr lang="en-US" altLang="zh-CN" sz="1100" b="1" dirty="0" smtClean="0"/>
+              <a:t>SMC</a:t>
+            </a:r>
+            <a:endParaRPr lang="zh-CN" altLang="en-US" sz="1100" b="1" dirty="0"/>
+          </a:p>
+        </p:txBody>
+      </p:sp>
+      <p:sp>
+        <p:nvSpPr>
+          <p:cNvPr id="42" name="右箭头 41"/>
+          <p:cNvSpPr/>
+          <p:nvPr/>
+        </p:nvSpPr>
+        <p:spPr>
+          <a:xfrm rot="16200000">
+            <a:off x="4753506" y="4076593"/>
+            <a:ext cx="300830" cy="164186"/>
+          </a:xfrm>
+          <a:prstGeom prst="rightArrow">
+            <a:avLst/>
+          </a:prstGeom>
+          <a:solidFill>
+            <a:schemeClr val="bg1"/>
+          </a:solidFill>
+          <a:ln w="9525">
+            <a:solidFill>
+              <a:srgbClr val="003300"/>
+            </a:solidFill>
+          </a:ln>
+        </p:spPr>
+        <p:style>
+          <a:lnRef idx="2">
+            <a:schemeClr val="accent1">
+              <a:shade val="50000"/>
+            </a:schemeClr>
+          </a:lnRef>
+          <a:fillRef idx="1">
+            <a:schemeClr val="accent1"/>
+          </a:fillRef>
+          <a:effectRef idx="0">
+            <a:schemeClr val="accent1"/>
+          </a:effectRef>
+          <a:fontRef idx="minor">
+            <a:schemeClr val="lt1"/>
+          </a:fontRef>
+        </p:style>
+        <p:txBody>
+          <a:bodyPr rtlCol="0" anchor="ctr"/>
+          <a:lstStyle/>
+          <a:p>
+            <a:pPr algn="ctr"/>
+            <a:endParaRPr lang="zh-CN" altLang="en-US"/>
+          </a:p>
+        </p:txBody>
+      </p:sp>
+      <p:pic>
+        <p:nvPicPr>
+          <p:cNvPr id="9" name="图片 8"/>
+          <p:cNvPicPr>
+            <a:picLocks noChangeAspect="1"/>
+          </p:cNvPicPr>
+          <p:nvPr/>
+        </p:nvPicPr>
+        <p:blipFill>
+          <a:blip r:embed="rId9">
+            <a:extLst>
+              <a:ext uri="{28A0092B-C50C-407E-A947-70E740481C1C}">
+                <a14:useLocalDpi xmlns:a14="http://schemas.microsoft.com/office/drawing/2010/main" val="0"/>
+              </a:ext>
+            </a:extLst>
+          </a:blip>
+          <a:stretch>
+            <a:fillRect/>
+          </a:stretch>
+        </p:blipFill>
+        <p:spPr>
+          <a:xfrm>
+            <a:off x="4484760" y="3596340"/>
+            <a:ext cx="852125" cy="380807"/>
+          </a:xfrm>
+          <a:prstGeom prst="rect">
+            <a:avLst/>
+          </a:prstGeom>
+        </p:spPr>
+      </p:pic>
+      <p:graphicFrame>
+        <p:nvGraphicFramePr>
+          <p:cNvPr id="43" name="对象 42"/>
+          <p:cNvGraphicFramePr>
+            <a:graphicFrameLocks noChangeAspect="1"/>
+          </p:cNvGraphicFramePr>
+          <p:nvPr>
+            <p:extLst/>
+          </p:nvPr>
+        </p:nvGraphicFramePr>
+        <p:xfrm>
+          <a:off x="6390688" y="3614601"/>
+          <a:ext cx="299356" cy="236138"/>
+        </p:xfrm>
+        <a:graphic>
+          <a:graphicData uri="http://schemas.openxmlformats.org/presentationml/2006/ole">
+            <mc:AlternateContent xmlns:mc="http://schemas.openxmlformats.org/markup-compatibility/2006">
+              <mc:Choice xmlns:v="urn:schemas-microsoft-com:vml" Requires="v">
+                <p:oleObj spid="_x0000_s2144" name="Equation" r:id="rId10" imgW="330120" imgH="241200" progId="Equation.DSMT4">
+                  <p:embed/>
+                </p:oleObj>
+              </mc:Choice>
+              <mc:Fallback>
+                <p:oleObj name="Equation" r:id="rId10" imgW="330120" imgH="241200" progId="Equation.DSMT4">
+                  <p:embed/>
+                  <p:pic>
+                    <p:nvPicPr>
+                      <p:cNvPr id="0" name=""/>
+                      <p:cNvPicPr/>
+                      <p:nvPr/>
+                    </p:nvPicPr>
+                    <p:blipFill>
+                      <a:blip r:embed="rId11"/>
+                      <a:stretch>
+                        <a:fillRect/>
+                      </a:stretch>
+                    </p:blipFill>
+                    <p:spPr>
+                      <a:xfrm>
+                        <a:off x="6390688" y="3614601"/>
+                        <a:ext cx="299356" cy="236138"/>
+                      </a:xfrm>
+                      <a:prstGeom prst="rect">
+                        <a:avLst/>
+                      </a:prstGeom>
+                    </p:spPr>
+                  </p:pic>
+                </p:oleObj>
+              </mc:Fallback>
+            </mc:AlternateContent>
+          </a:graphicData>
+        </a:graphic>
+      </p:graphicFrame>
+      <p:sp>
+        <p:nvSpPr>
+          <p:cNvPr id="3" name="L 形 2"/>
+          <p:cNvSpPr/>
+          <p:nvPr/>
+        </p:nvSpPr>
+        <p:spPr>
+          <a:xfrm rot="10800000">
+            <a:off x="5758302" y="3970171"/>
+            <a:ext cx="3722508" cy="1832478"/>
+          </a:xfrm>
+          <a:prstGeom prst="corner">
+            <a:avLst>
+              <a:gd name="adj1" fmla="val 43839"/>
+              <a:gd name="adj2" fmla="val 74961"/>
+            </a:avLst>
+          </a:prstGeom>
+          <a:noFill/>
+          <a:ln>
+            <a:solidFill>
+              <a:schemeClr val="tx1"/>
+            </a:solidFill>
+            <a:prstDash val="sysDash"/>
+          </a:ln>
+        </p:spPr>
+        <p:style>
+          <a:lnRef idx="2">
+            <a:schemeClr val="accent1">
+              <a:shade val="50000"/>
+            </a:schemeClr>
+          </a:lnRef>
+          <a:fillRef idx="1">
+            <a:schemeClr val="accent1"/>
+          </a:fillRef>
+          <a:effectRef idx="0">
+            <a:schemeClr val="accent1"/>
+          </a:effectRef>
+          <a:fontRef idx="minor">
+            <a:schemeClr val="lt1"/>
+          </a:fontRef>
+        </p:style>
+        <p:txBody>
+          <a:bodyPr rtlCol="0" anchor="ctr"/>
+          <a:lstStyle/>
+          <a:p>
+            <a:pPr algn="ctr"/>
+            <a:endParaRPr lang="zh-CN" altLang="en-US"/>
+          </a:p>
+        </p:txBody>
+      </p:sp>
+      <p:sp>
+        <p:nvSpPr>
+          <p:cNvPr id="44" name="文本框 43"/>
+          <p:cNvSpPr txBox="1"/>
+          <p:nvPr/>
+        </p:nvSpPr>
+        <p:spPr>
+          <a:xfrm>
+            <a:off x="5447118" y="4922615"/>
+            <a:ext cx="1044041" cy="246221"/>
+          </a:xfrm>
+          <a:prstGeom prst="rect">
+            <a:avLst/>
+          </a:prstGeom>
+          <a:noFill/>
+        </p:spPr>
+        <p:txBody>
+          <a:bodyPr wrap="square" rtlCol="0">
+            <a:spAutoFit/>
+          </a:bodyPr>
+          <a:lstStyle/>
+          <a:p>
+            <a:r>
+              <a:rPr lang="zh-CN" altLang="en-US" sz="1000" dirty="0"/>
+              <a:t>前缀频率树</a:t>
+            </a:r>
+            <a:endParaRPr lang="zh-CN" altLang="en-US" sz="1000" dirty="0"/>
+          </a:p>
+        </p:txBody>
+      </p:sp>
+      <p:sp>
+        <p:nvSpPr>
+          <p:cNvPr id="35" name="文本框 34"/>
+          <p:cNvSpPr txBox="1"/>
+          <p:nvPr/>
+        </p:nvSpPr>
+        <p:spPr>
+          <a:xfrm>
+            <a:off x="7884168" y="4788577"/>
+            <a:ext cx="790888" cy="246221"/>
+          </a:xfrm>
+          <a:prstGeom prst="rect">
+            <a:avLst/>
+          </a:prstGeom>
+          <a:noFill/>
+        </p:spPr>
+        <p:txBody>
+          <a:bodyPr wrap="square" rtlCol="0">
+            <a:spAutoFit/>
+          </a:bodyPr>
+          <a:lstStyle/>
+          <a:p>
+            <a:r>
+              <a:rPr lang="zh-CN" altLang="en-US" sz="1000" dirty="0" smtClean="0"/>
+              <a:t>简化迹</a:t>
+            </a:r>
+            <a:endParaRPr lang="zh-CN" altLang="en-US" sz="1000" dirty="0"/>
+          </a:p>
+        </p:txBody>
+      </p:sp>
+    </p:spTree>
+    <p:extLst>
+      <p:ext uri="{BB962C8B-B14F-4D97-AF65-F5344CB8AC3E}">
+        <p14:creationId xmlns:p14="http://schemas.microsoft.com/office/powerpoint/2010/main" val="51054078"/>
       </p:ext>
     </p:extLst>
   </p:cSld>
